--- a/MDEF02 - Entity Framework 7 Back To The Future.pptx
+++ b/MDEF02 - Entity Framework 7 Back To The Future.pptx
@@ -230,7 +230,7 @@
           <a:p>
             <a:fld id="{F443D67C-DA02-4461-B7C0-508F5ECD6C41}" type="datetimeFigureOut">
               <a:rPr lang="en-US" smtClean="0"/>
-              <a:t>2/22/2015</a:t>
+              <a:t>2/25/2015</a:t>
             </a:fld>
             <a:endParaRPr lang="en-US" dirty="0"/>
           </a:p>
@@ -626,24 +626,6 @@
           <a:bodyPr/>
           <a:lstStyle/>
           <a:p>
-            <a:r>
-              <a:rPr lang="en-US" sz="1200" dirty="0" smtClean="0"/>
-              <a:t>ORM</a:t>
-            </a:r>
-            <a:r>
-              <a:rPr lang="en-US" sz="1200" baseline="0" dirty="0" smtClean="0"/>
-              <a:t> = </a:t>
-            </a:r>
-            <a:r>
-              <a:rPr lang="en-US" sz="1200" dirty="0" smtClean="0"/>
-              <a:t>Object-relational mapping</a:t>
-            </a:r>
-          </a:p>
-          <a:p>
-            <a:r>
-              <a:rPr lang="en-US" sz="1200" dirty="0" smtClean="0"/>
-              <a:t>RDBMD = Relational database management system</a:t>
-            </a:r>
             <a:endParaRPr lang="it-IT" dirty="0"/>
           </a:p>
         </p:txBody>
@@ -728,32 +710,6 @@
           <a:bodyPr/>
           <a:lstStyle/>
           <a:p>
-            <a:r>
-              <a:rPr lang="en-US" sz="1200" b="0" i="0" kern="1200" dirty="0" smtClean="0">
-                <a:solidFill>
-                  <a:schemeClr val="tx1"/>
-                </a:solidFill>
-                <a:effectLst/>
-                <a:latin typeface="+mn-lt"/>
-                <a:ea typeface="+mn-ea"/>
-                <a:cs typeface="+mn-cs"/>
-              </a:rPr>
-              <a:t>For example, the concept of a model builder that allows you to configure your model will be part of the core framework.</a:t>
-            </a:r>
-          </a:p>
-          <a:p>
-            <a:r>
-              <a:rPr lang="en-US" sz="1200" b="0" i="0" kern="1200" dirty="0" smtClean="0">
-                <a:solidFill>
-                  <a:schemeClr val="tx1"/>
-                </a:solidFill>
-                <a:effectLst/>
-                <a:latin typeface="+mn-lt"/>
-                <a:ea typeface="+mn-ea"/>
-                <a:cs typeface="+mn-cs"/>
-              </a:rPr>
-              <a:t>However, the ability to configure things such as cascade delete on a foreign key constraint will be included as extensions in the relational database provider.</a:t>
-            </a:r>
             <a:endParaRPr lang="it-IT" dirty="0"/>
           </a:p>
         </p:txBody>
@@ -838,24 +794,6 @@
           <a:bodyPr/>
           <a:lstStyle/>
           <a:p>
-            <a:r>
-              <a:rPr lang="en-US" sz="1200" dirty="0" smtClean="0"/>
-              <a:t>ORM</a:t>
-            </a:r>
-            <a:r>
-              <a:rPr lang="en-US" sz="1200" baseline="0" dirty="0" smtClean="0"/>
-              <a:t> = </a:t>
-            </a:r>
-            <a:r>
-              <a:rPr lang="en-US" sz="1200" dirty="0" smtClean="0"/>
-              <a:t>Object-relational mapping</a:t>
-            </a:r>
-          </a:p>
-          <a:p>
-            <a:r>
-              <a:rPr lang="en-US" sz="1200" dirty="0" smtClean="0"/>
-              <a:t>RDBMD = Relational database management system</a:t>
-            </a:r>
             <a:endParaRPr lang="it-IT" dirty="0"/>
           </a:p>
         </p:txBody>
@@ -940,24 +878,6 @@
           <a:bodyPr/>
           <a:lstStyle/>
           <a:p>
-            <a:r>
-              <a:rPr lang="en-US" sz="1200" dirty="0" smtClean="0"/>
-              <a:t>ORM</a:t>
-            </a:r>
-            <a:r>
-              <a:rPr lang="en-US" sz="1200" baseline="0" dirty="0" smtClean="0"/>
-              <a:t> = </a:t>
-            </a:r>
-            <a:r>
-              <a:rPr lang="en-US" sz="1200" dirty="0" smtClean="0"/>
-              <a:t>Object-relational mapping</a:t>
-            </a:r>
-          </a:p>
-          <a:p>
-            <a:r>
-              <a:rPr lang="en-US" sz="1200" dirty="0" smtClean="0"/>
-              <a:t>RDBMD = Relational database management system</a:t>
-            </a:r>
             <a:endParaRPr lang="it-IT" dirty="0"/>
           </a:p>
         </p:txBody>
@@ -6607,8 +6527,13 @@
           <a:p>
             <a:r>
               <a:rPr lang="it-IT" sz="3200" noProof="0" dirty="0" smtClean="0"/>
-              <a:t>EF6.x non ha i presupposti per raggiungere ulteriori obiettivi</a:t>
-            </a:r>
+              <a:t>EF6.x non ha i presupposti per raggiungere </a:t>
+            </a:r>
+            <a:r>
+              <a:rPr lang="it-IT" sz="3200" noProof="0" dirty="0" smtClean="0"/>
+              <a:t>molteplici obiettivi</a:t>
+            </a:r>
+            <a:endParaRPr lang="it-IT" sz="3200" noProof="0" dirty="0" smtClean="0"/>
           </a:p>
           <a:p>
             <a:r>
@@ -6660,9 +6585,21 @@
               <a:buNone/>
             </a:pPr>
             <a:r>
-              <a:rPr lang="it-IT" sz="2000" noProof="0" dirty="0" smtClean="0"/>
-              <a:t>Supporto per la creazione del modello da un database esistente</a:t>
-            </a:r>
+              <a:rPr lang="it-IT" sz="2000" dirty="0" smtClean="0"/>
+              <a:t>Non vuol dire che non ci saranno strumenti di designer!</a:t>
+            </a:r>
+            <a:br>
+              <a:rPr lang="it-IT" sz="2000" dirty="0" smtClean="0"/>
+            </a:br>
+            <a:r>
+              <a:rPr lang="it-IT" sz="2000" dirty="0"/>
+              <a:t>Supporto per la creazione del modello da un database </a:t>
+            </a:r>
+            <a:r>
+              <a:rPr lang="it-IT" sz="2000" dirty="0" smtClean="0"/>
+              <a:t>esistente</a:t>
+            </a:r>
+            <a:endParaRPr lang="it-IT" sz="2000" noProof="0" dirty="0" smtClean="0"/>
           </a:p>
           <a:p>
             <a:endParaRPr lang="it-IT" sz="3200" noProof="0" dirty="0"/>
@@ -6682,9 +6619,451 @@
   <p:timing>
     <p:tnLst>
       <p:par>
-        <p:cTn id="1" dur="indefinite" restart="never" nodeType="tmRoot"/>
+        <p:cTn id="1" dur="indefinite" restart="never" nodeType="tmRoot">
+          <p:childTnLst>
+            <p:seq concurrent="1" nextAc="seek">
+              <p:cTn id="2" dur="indefinite" nodeType="mainSeq">
+                <p:childTnLst>
+                  <p:par>
+                    <p:cTn id="3" fill="hold">
+                      <p:stCondLst>
+                        <p:cond delay="indefinite"/>
+                      </p:stCondLst>
+                      <p:childTnLst>
+                        <p:par>
+                          <p:cTn id="4" fill="hold">
+                            <p:stCondLst>
+                              <p:cond delay="0"/>
+                            </p:stCondLst>
+                            <p:childTnLst>
+                              <p:par>
+                                <p:cTn id="5" presetID="10" presetClass="entr" presetSubtype="0" fill="hold" grpId="0" nodeType="clickEffect">
+                                  <p:stCondLst>
+                                    <p:cond delay="0"/>
+                                  </p:stCondLst>
+                                  <p:childTnLst>
+                                    <p:set>
+                                      <p:cBhvr>
+                                        <p:cTn id="6" dur="1" fill="hold">
+                                          <p:stCondLst>
+                                            <p:cond delay="0"/>
+                                          </p:stCondLst>
+                                        </p:cTn>
+                                        <p:tgtEl>
+                                          <p:spTgt spid="3">
+                                            <p:txEl>
+                                              <p:pRg st="0" end="0"/>
+                                            </p:txEl>
+                                          </p:spTgt>
+                                        </p:tgtEl>
+                                        <p:attrNameLst>
+                                          <p:attrName>style.visibility</p:attrName>
+                                        </p:attrNameLst>
+                                      </p:cBhvr>
+                                      <p:to>
+                                        <p:strVal val="visible"/>
+                                      </p:to>
+                                    </p:set>
+                                    <p:animEffect transition="in" filter="fade">
+                                      <p:cBhvr>
+                                        <p:cTn id="7" dur="500"/>
+                                        <p:tgtEl>
+                                          <p:spTgt spid="3">
+                                            <p:txEl>
+                                              <p:pRg st="0" end="0"/>
+                                            </p:txEl>
+                                          </p:spTgt>
+                                        </p:tgtEl>
+                                      </p:cBhvr>
+                                    </p:animEffect>
+                                  </p:childTnLst>
+                                </p:cTn>
+                              </p:par>
+                            </p:childTnLst>
+                          </p:cTn>
+                        </p:par>
+                      </p:childTnLst>
+                    </p:cTn>
+                  </p:par>
+                  <p:par>
+                    <p:cTn id="8" fill="hold">
+                      <p:stCondLst>
+                        <p:cond delay="indefinite"/>
+                      </p:stCondLst>
+                      <p:childTnLst>
+                        <p:par>
+                          <p:cTn id="9" fill="hold">
+                            <p:stCondLst>
+                              <p:cond delay="0"/>
+                            </p:stCondLst>
+                            <p:childTnLst>
+                              <p:par>
+                                <p:cTn id="10" presetID="10" presetClass="entr" presetSubtype="0" fill="hold" grpId="0" nodeType="clickEffect">
+                                  <p:stCondLst>
+                                    <p:cond delay="0"/>
+                                  </p:stCondLst>
+                                  <p:childTnLst>
+                                    <p:set>
+                                      <p:cBhvr>
+                                        <p:cTn id="11" dur="1" fill="hold">
+                                          <p:stCondLst>
+                                            <p:cond delay="0"/>
+                                          </p:stCondLst>
+                                        </p:cTn>
+                                        <p:tgtEl>
+                                          <p:spTgt spid="3">
+                                            <p:txEl>
+                                              <p:pRg st="1" end="1"/>
+                                            </p:txEl>
+                                          </p:spTgt>
+                                        </p:tgtEl>
+                                        <p:attrNameLst>
+                                          <p:attrName>style.visibility</p:attrName>
+                                        </p:attrNameLst>
+                                      </p:cBhvr>
+                                      <p:to>
+                                        <p:strVal val="visible"/>
+                                      </p:to>
+                                    </p:set>
+                                    <p:animEffect transition="in" filter="fade">
+                                      <p:cBhvr>
+                                        <p:cTn id="12" dur="500"/>
+                                        <p:tgtEl>
+                                          <p:spTgt spid="3">
+                                            <p:txEl>
+                                              <p:pRg st="1" end="1"/>
+                                            </p:txEl>
+                                          </p:spTgt>
+                                        </p:tgtEl>
+                                      </p:cBhvr>
+                                    </p:animEffect>
+                                  </p:childTnLst>
+                                </p:cTn>
+                              </p:par>
+                              <p:par>
+                                <p:cTn id="13" presetID="10" presetClass="entr" presetSubtype="0" fill="hold" grpId="0" nodeType="withEffect">
+                                  <p:stCondLst>
+                                    <p:cond delay="0"/>
+                                  </p:stCondLst>
+                                  <p:childTnLst>
+                                    <p:set>
+                                      <p:cBhvr>
+                                        <p:cTn id="14" dur="1" fill="hold">
+                                          <p:stCondLst>
+                                            <p:cond delay="0"/>
+                                          </p:stCondLst>
+                                        </p:cTn>
+                                        <p:tgtEl>
+                                          <p:spTgt spid="3">
+                                            <p:txEl>
+                                              <p:pRg st="2" end="2"/>
+                                            </p:txEl>
+                                          </p:spTgt>
+                                        </p:tgtEl>
+                                        <p:attrNameLst>
+                                          <p:attrName>style.visibility</p:attrName>
+                                        </p:attrNameLst>
+                                      </p:cBhvr>
+                                      <p:to>
+                                        <p:strVal val="visible"/>
+                                      </p:to>
+                                    </p:set>
+                                    <p:animEffect transition="in" filter="fade">
+                                      <p:cBhvr>
+                                        <p:cTn id="15" dur="500"/>
+                                        <p:tgtEl>
+                                          <p:spTgt spid="3">
+                                            <p:txEl>
+                                              <p:pRg st="2" end="2"/>
+                                            </p:txEl>
+                                          </p:spTgt>
+                                        </p:tgtEl>
+                                      </p:cBhvr>
+                                    </p:animEffect>
+                                  </p:childTnLst>
+                                </p:cTn>
+                              </p:par>
+                              <p:par>
+                                <p:cTn id="16" presetID="10" presetClass="entr" presetSubtype="0" fill="hold" grpId="0" nodeType="withEffect">
+                                  <p:stCondLst>
+                                    <p:cond delay="0"/>
+                                  </p:stCondLst>
+                                  <p:childTnLst>
+                                    <p:set>
+                                      <p:cBhvr>
+                                        <p:cTn id="17" dur="1" fill="hold">
+                                          <p:stCondLst>
+                                            <p:cond delay="0"/>
+                                          </p:stCondLst>
+                                        </p:cTn>
+                                        <p:tgtEl>
+                                          <p:spTgt spid="3">
+                                            <p:txEl>
+                                              <p:pRg st="3" end="3"/>
+                                            </p:txEl>
+                                          </p:spTgt>
+                                        </p:tgtEl>
+                                        <p:attrNameLst>
+                                          <p:attrName>style.visibility</p:attrName>
+                                        </p:attrNameLst>
+                                      </p:cBhvr>
+                                      <p:to>
+                                        <p:strVal val="visible"/>
+                                      </p:to>
+                                    </p:set>
+                                    <p:animEffect transition="in" filter="fade">
+                                      <p:cBhvr>
+                                        <p:cTn id="18" dur="500"/>
+                                        <p:tgtEl>
+                                          <p:spTgt spid="3">
+                                            <p:txEl>
+                                              <p:pRg st="3" end="3"/>
+                                            </p:txEl>
+                                          </p:spTgt>
+                                        </p:tgtEl>
+                                      </p:cBhvr>
+                                    </p:animEffect>
+                                  </p:childTnLst>
+                                </p:cTn>
+                              </p:par>
+                            </p:childTnLst>
+                          </p:cTn>
+                        </p:par>
+                      </p:childTnLst>
+                    </p:cTn>
+                  </p:par>
+                  <p:par>
+                    <p:cTn id="19" fill="hold">
+                      <p:stCondLst>
+                        <p:cond delay="indefinite"/>
+                      </p:stCondLst>
+                      <p:childTnLst>
+                        <p:par>
+                          <p:cTn id="20" fill="hold">
+                            <p:stCondLst>
+                              <p:cond delay="0"/>
+                            </p:stCondLst>
+                            <p:childTnLst>
+                              <p:par>
+                                <p:cTn id="21" presetID="10" presetClass="entr" presetSubtype="0" fill="hold" grpId="0" nodeType="clickEffect">
+                                  <p:stCondLst>
+                                    <p:cond delay="0"/>
+                                  </p:stCondLst>
+                                  <p:childTnLst>
+                                    <p:set>
+                                      <p:cBhvr>
+                                        <p:cTn id="22" dur="1" fill="hold">
+                                          <p:stCondLst>
+                                            <p:cond delay="0"/>
+                                          </p:stCondLst>
+                                        </p:cTn>
+                                        <p:tgtEl>
+                                          <p:spTgt spid="3">
+                                            <p:txEl>
+                                              <p:pRg st="4" end="4"/>
+                                            </p:txEl>
+                                          </p:spTgt>
+                                        </p:tgtEl>
+                                        <p:attrNameLst>
+                                          <p:attrName>style.visibility</p:attrName>
+                                        </p:attrNameLst>
+                                      </p:cBhvr>
+                                      <p:to>
+                                        <p:strVal val="visible"/>
+                                      </p:to>
+                                    </p:set>
+                                    <p:animEffect transition="in" filter="fade">
+                                      <p:cBhvr>
+                                        <p:cTn id="23" dur="500"/>
+                                        <p:tgtEl>
+                                          <p:spTgt spid="3">
+                                            <p:txEl>
+                                              <p:pRg st="4" end="4"/>
+                                            </p:txEl>
+                                          </p:spTgt>
+                                        </p:tgtEl>
+                                      </p:cBhvr>
+                                    </p:animEffect>
+                                  </p:childTnLst>
+                                </p:cTn>
+                              </p:par>
+                              <p:par>
+                                <p:cTn id="24" presetID="10" presetClass="entr" presetSubtype="0" fill="hold" grpId="0" nodeType="withEffect">
+                                  <p:stCondLst>
+                                    <p:cond delay="0"/>
+                                  </p:stCondLst>
+                                  <p:childTnLst>
+                                    <p:set>
+                                      <p:cBhvr>
+                                        <p:cTn id="25" dur="1" fill="hold">
+                                          <p:stCondLst>
+                                            <p:cond delay="0"/>
+                                          </p:stCondLst>
+                                        </p:cTn>
+                                        <p:tgtEl>
+                                          <p:spTgt spid="3">
+                                            <p:txEl>
+                                              <p:pRg st="5" end="5"/>
+                                            </p:txEl>
+                                          </p:spTgt>
+                                        </p:tgtEl>
+                                        <p:attrNameLst>
+                                          <p:attrName>style.visibility</p:attrName>
+                                        </p:attrNameLst>
+                                      </p:cBhvr>
+                                      <p:to>
+                                        <p:strVal val="visible"/>
+                                      </p:to>
+                                    </p:set>
+                                    <p:animEffect transition="in" filter="fade">
+                                      <p:cBhvr>
+                                        <p:cTn id="26" dur="500"/>
+                                        <p:tgtEl>
+                                          <p:spTgt spid="3">
+                                            <p:txEl>
+                                              <p:pRg st="5" end="5"/>
+                                            </p:txEl>
+                                          </p:spTgt>
+                                        </p:tgtEl>
+                                      </p:cBhvr>
+                                    </p:animEffect>
+                                  </p:childTnLst>
+                                </p:cTn>
+                              </p:par>
+                            </p:childTnLst>
+                          </p:cTn>
+                        </p:par>
+                      </p:childTnLst>
+                    </p:cTn>
+                  </p:par>
+                  <p:par>
+                    <p:cTn id="27" fill="hold">
+                      <p:stCondLst>
+                        <p:cond delay="indefinite"/>
+                      </p:stCondLst>
+                      <p:childTnLst>
+                        <p:par>
+                          <p:cTn id="28" fill="hold">
+                            <p:stCondLst>
+                              <p:cond delay="0"/>
+                            </p:stCondLst>
+                            <p:childTnLst>
+                              <p:par>
+                                <p:cTn id="29" presetID="10" presetClass="entr" presetSubtype="0" fill="hold" grpId="0" nodeType="clickEffect">
+                                  <p:stCondLst>
+                                    <p:cond delay="0"/>
+                                  </p:stCondLst>
+                                  <p:childTnLst>
+                                    <p:set>
+                                      <p:cBhvr>
+                                        <p:cTn id="30" dur="1" fill="hold">
+                                          <p:stCondLst>
+                                            <p:cond delay="0"/>
+                                          </p:stCondLst>
+                                        </p:cTn>
+                                        <p:tgtEl>
+                                          <p:spTgt spid="3">
+                                            <p:txEl>
+                                              <p:pRg st="6" end="6"/>
+                                            </p:txEl>
+                                          </p:spTgt>
+                                        </p:tgtEl>
+                                        <p:attrNameLst>
+                                          <p:attrName>style.visibility</p:attrName>
+                                        </p:attrNameLst>
+                                      </p:cBhvr>
+                                      <p:to>
+                                        <p:strVal val="visible"/>
+                                      </p:to>
+                                    </p:set>
+                                    <p:animEffect transition="in" filter="fade">
+                                      <p:cBhvr>
+                                        <p:cTn id="31" dur="500"/>
+                                        <p:tgtEl>
+                                          <p:spTgt spid="3">
+                                            <p:txEl>
+                                              <p:pRg st="6" end="6"/>
+                                            </p:txEl>
+                                          </p:spTgt>
+                                        </p:tgtEl>
+                                      </p:cBhvr>
+                                    </p:animEffect>
+                                  </p:childTnLst>
+                                </p:cTn>
+                              </p:par>
+                              <p:par>
+                                <p:cTn id="32" presetID="10" presetClass="entr" presetSubtype="0" fill="hold" grpId="0" nodeType="withEffect">
+                                  <p:stCondLst>
+                                    <p:cond delay="0"/>
+                                  </p:stCondLst>
+                                  <p:childTnLst>
+                                    <p:set>
+                                      <p:cBhvr>
+                                        <p:cTn id="33" dur="1" fill="hold">
+                                          <p:stCondLst>
+                                            <p:cond delay="0"/>
+                                          </p:stCondLst>
+                                        </p:cTn>
+                                        <p:tgtEl>
+                                          <p:spTgt spid="3">
+                                            <p:txEl>
+                                              <p:pRg st="7" end="7"/>
+                                            </p:txEl>
+                                          </p:spTgt>
+                                        </p:tgtEl>
+                                        <p:attrNameLst>
+                                          <p:attrName>style.visibility</p:attrName>
+                                        </p:attrNameLst>
+                                      </p:cBhvr>
+                                      <p:to>
+                                        <p:strVal val="visible"/>
+                                      </p:to>
+                                    </p:set>
+                                    <p:animEffect transition="in" filter="fade">
+                                      <p:cBhvr>
+                                        <p:cTn id="34" dur="500"/>
+                                        <p:tgtEl>
+                                          <p:spTgt spid="3">
+                                            <p:txEl>
+                                              <p:pRg st="7" end="7"/>
+                                            </p:txEl>
+                                          </p:spTgt>
+                                        </p:tgtEl>
+                                      </p:cBhvr>
+                                    </p:animEffect>
+                                  </p:childTnLst>
+                                </p:cTn>
+                              </p:par>
+                            </p:childTnLst>
+                          </p:cTn>
+                        </p:par>
+                      </p:childTnLst>
+                    </p:cTn>
+                  </p:par>
+                </p:childTnLst>
+              </p:cTn>
+              <p:prevCondLst>
+                <p:cond evt="onPrev" delay="0">
+                  <p:tgtEl>
+                    <p:sldTgt/>
+                  </p:tgtEl>
+                </p:cond>
+              </p:prevCondLst>
+              <p:nextCondLst>
+                <p:cond evt="onNext" delay="0">
+                  <p:tgtEl>
+                    <p:sldTgt/>
+                  </p:tgtEl>
+                </p:cond>
+              </p:nextCondLst>
+            </p:seq>
+          </p:childTnLst>
+        </p:cTn>
       </p:par>
     </p:tnLst>
+    <p:bldLst>
+      <p:bldP spid="3" grpId="0" build="p"/>
+    </p:bldLst>
   </p:timing>
 </p:sld>
 </file>
@@ -9388,7 +9767,7 @@
           <a:p>
             <a:pPr>
               <a:lnSpc>
-                <a:spcPct val="200000"/>
+                <a:spcPct val="150000"/>
               </a:lnSpc>
             </a:pPr>
             <a:r>
@@ -9399,7 +9778,7 @@
           <a:p>
             <a:pPr>
               <a:lnSpc>
-                <a:spcPct val="200000"/>
+                <a:spcPct val="150000"/>
               </a:lnSpc>
             </a:pPr>
             <a:r>
@@ -9410,24 +9789,79 @@
           <a:p>
             <a:pPr>
               <a:lnSpc>
-                <a:spcPct val="200000"/>
+                <a:spcPct val="150000"/>
               </a:lnSpc>
             </a:pPr>
             <a:r>
+              <a:rPr lang="it-IT" sz="2800" b="1" noProof="0" dirty="0" smtClean="0"/>
+              <a:t>Demo code</a:t>
+            </a:r>
+            <a:r>
               <a:rPr lang="it-IT" sz="2800" noProof="0" dirty="0" smtClean="0"/>
-              <a:t>Demo code | </a:t>
+              <a:t> | </a:t>
             </a:r>
             <a:r>
               <a:rPr lang="it-IT" sz="2800" noProof="0" dirty="0" smtClean="0"/>
               <a:t>github.com/</a:t>
             </a:r>
             <a:r>
+              <a:rPr lang="it-IT" sz="2800" b="1" noProof="0" dirty="0" err="1" smtClean="0"/>
+              <a:t>micdenny</a:t>
+            </a:r>
+            <a:r>
+              <a:rPr lang="it-IT" sz="2800" b="1" noProof="0" dirty="0" smtClean="0"/>
+              <a:t>/Demo-EF7</a:t>
+            </a:r>
+          </a:p>
+          <a:p>
+            <a:pPr>
+              <a:lnSpc>
+                <a:spcPct val="150000"/>
+              </a:lnSpc>
+            </a:pPr>
+            <a:r>
+              <a:rPr lang="it-IT" sz="2800" dirty="0" smtClean="0"/>
+              <a:t>Team blog | blogs.msdn.com/</a:t>
+            </a:r>
+            <a:r>
+              <a:rPr lang="it-IT" sz="2800" dirty="0" err="1" smtClean="0"/>
+              <a:t>adonet</a:t>
+            </a:r>
+            <a:endParaRPr lang="it-IT" sz="2800" dirty="0" smtClean="0"/>
+          </a:p>
+          <a:p>
+            <a:pPr>
+              <a:lnSpc>
+                <a:spcPct val="150000"/>
+              </a:lnSpc>
+            </a:pPr>
+            <a:r>
+              <a:rPr lang="it-IT" sz="2800" noProof="0" dirty="0" smtClean="0"/>
+              <a:t>Twitter | @</a:t>
+            </a:r>
+            <a:r>
               <a:rPr lang="it-IT" sz="2800" noProof="0" dirty="0" err="1" smtClean="0"/>
-              <a:t>micdenny</a:t>
-            </a:r>
-            <a:r>
-              <a:rPr lang="it-IT" sz="2800" noProof="0" dirty="0" smtClean="0"/>
-              <a:t>/Demo-EF7</a:t>
+              <a:t>efmagicunicorns</a:t>
+            </a:r>
+            <a:endParaRPr lang="it-IT" sz="2800" noProof="0" dirty="0" smtClean="0"/>
+          </a:p>
+          <a:p>
+            <a:pPr>
+              <a:lnSpc>
+                <a:spcPct val="150000"/>
+              </a:lnSpc>
+            </a:pPr>
+            <a:r>
+              <a:rPr lang="it-IT" sz="2800" dirty="0" err="1" smtClean="0"/>
+              <a:t>Facebook</a:t>
+            </a:r>
+            <a:r>
+              <a:rPr lang="it-IT" sz="2800" dirty="0" smtClean="0"/>
+              <a:t> | facebook.com/</a:t>
+            </a:r>
+            <a:r>
+              <a:rPr lang="it-IT" sz="2800" dirty="0" err="1" smtClean="0"/>
+              <a:t>efmagicunicorns</a:t>
             </a:r>
             <a:endParaRPr lang="it-IT" sz="2800" noProof="0" dirty="0"/>
           </a:p>
@@ -13251,8 +13685,19 @@
           <a:p>
             <a:r>
               <a:rPr lang="it-IT" sz="3200" noProof="0" dirty="0" smtClean="0"/>
-              <a:t>Full .NET Framework</a:t>
-            </a:r>
+              <a:t>Full .NET </a:t>
+            </a:r>
+            <a:r>
+              <a:rPr lang="it-IT" sz="3200" noProof="0" dirty="0" smtClean="0"/>
+              <a:t>Framework</a:t>
+            </a:r>
+          </a:p>
+          <a:p>
+            <a:r>
+              <a:rPr lang="it-IT" sz="3200" dirty="0"/>
+              <a:t>ASP.NET 5</a:t>
+            </a:r>
+            <a:endParaRPr lang="it-IT" sz="3200" noProof="0" dirty="0" smtClean="0"/>
           </a:p>
           <a:p>
             <a:r>
@@ -13263,14 +13708,13 @@
           <a:p>
             <a:r>
               <a:rPr lang="it-IT" sz="3200" noProof="0" dirty="0" smtClean="0"/>
-              <a:t>Windows Store</a:t>
-            </a:r>
-          </a:p>
-          <a:p>
+              <a:t>Windows </a:t>
+            </a:r>
             <a:r>
               <a:rPr lang="it-IT" sz="3200" noProof="0" dirty="0" smtClean="0"/>
-              <a:t>ASP.NET 5</a:t>
-            </a:r>
+              <a:t>Store</a:t>
+            </a:r>
+            <a:endParaRPr lang="it-IT" sz="3200" noProof="0" dirty="0" smtClean="0"/>
           </a:p>
           <a:p>
             <a:r>
@@ -13306,9 +13750,444 @@
   <p:timing>
     <p:tnLst>
       <p:par>
-        <p:cTn id="1" dur="indefinite" restart="never" nodeType="tmRoot"/>
+        <p:cTn id="1" dur="indefinite" restart="never" nodeType="tmRoot">
+          <p:childTnLst>
+            <p:seq concurrent="1" nextAc="seek">
+              <p:cTn id="2" dur="indefinite" nodeType="mainSeq">
+                <p:childTnLst>
+                  <p:par>
+                    <p:cTn id="3" fill="hold">
+                      <p:stCondLst>
+                        <p:cond delay="indefinite"/>
+                      </p:stCondLst>
+                      <p:childTnLst>
+                        <p:par>
+                          <p:cTn id="4" fill="hold">
+                            <p:stCondLst>
+                              <p:cond delay="0"/>
+                            </p:stCondLst>
+                            <p:childTnLst>
+                              <p:par>
+                                <p:cTn id="5" presetID="10" presetClass="entr" presetSubtype="0" fill="hold" grpId="0" nodeType="clickEffect">
+                                  <p:stCondLst>
+                                    <p:cond delay="0"/>
+                                  </p:stCondLst>
+                                  <p:childTnLst>
+                                    <p:set>
+                                      <p:cBhvr>
+                                        <p:cTn id="6" dur="1" fill="hold">
+                                          <p:stCondLst>
+                                            <p:cond delay="0"/>
+                                          </p:stCondLst>
+                                        </p:cTn>
+                                        <p:tgtEl>
+                                          <p:spTgt spid="3">
+                                            <p:txEl>
+                                              <p:pRg st="0" end="0"/>
+                                            </p:txEl>
+                                          </p:spTgt>
+                                        </p:tgtEl>
+                                        <p:attrNameLst>
+                                          <p:attrName>style.visibility</p:attrName>
+                                        </p:attrNameLst>
+                                      </p:cBhvr>
+                                      <p:to>
+                                        <p:strVal val="visible"/>
+                                      </p:to>
+                                    </p:set>
+                                    <p:animEffect transition="in" filter="fade">
+                                      <p:cBhvr>
+                                        <p:cTn id="7" dur="500"/>
+                                        <p:tgtEl>
+                                          <p:spTgt spid="3">
+                                            <p:txEl>
+                                              <p:pRg st="0" end="0"/>
+                                            </p:txEl>
+                                          </p:spTgt>
+                                        </p:tgtEl>
+                                      </p:cBhvr>
+                                    </p:animEffect>
+                                  </p:childTnLst>
+                                </p:cTn>
+                              </p:par>
+                              <p:par>
+                                <p:cTn id="8" presetID="10" presetClass="entr" presetSubtype="0" fill="hold" grpId="0" nodeType="withEffect">
+                                  <p:stCondLst>
+                                    <p:cond delay="0"/>
+                                  </p:stCondLst>
+                                  <p:childTnLst>
+                                    <p:set>
+                                      <p:cBhvr>
+                                        <p:cTn id="9" dur="1" fill="hold">
+                                          <p:stCondLst>
+                                            <p:cond delay="0"/>
+                                          </p:stCondLst>
+                                        </p:cTn>
+                                        <p:tgtEl>
+                                          <p:spTgt spid="3">
+                                            <p:txEl>
+                                              <p:pRg st="1" end="1"/>
+                                            </p:txEl>
+                                          </p:spTgt>
+                                        </p:tgtEl>
+                                        <p:attrNameLst>
+                                          <p:attrName>style.visibility</p:attrName>
+                                        </p:attrNameLst>
+                                      </p:cBhvr>
+                                      <p:to>
+                                        <p:strVal val="visible"/>
+                                      </p:to>
+                                    </p:set>
+                                    <p:animEffect transition="in" filter="fade">
+                                      <p:cBhvr>
+                                        <p:cTn id="10" dur="500"/>
+                                        <p:tgtEl>
+                                          <p:spTgt spid="3">
+                                            <p:txEl>
+                                              <p:pRg st="1" end="1"/>
+                                            </p:txEl>
+                                          </p:spTgt>
+                                        </p:tgtEl>
+                                      </p:cBhvr>
+                                    </p:animEffect>
+                                  </p:childTnLst>
+                                </p:cTn>
+                              </p:par>
+                            </p:childTnLst>
+                          </p:cTn>
+                        </p:par>
+                      </p:childTnLst>
+                    </p:cTn>
+                  </p:par>
+                  <p:par>
+                    <p:cTn id="11" fill="hold">
+                      <p:stCondLst>
+                        <p:cond delay="indefinite"/>
+                      </p:stCondLst>
+                      <p:childTnLst>
+                        <p:par>
+                          <p:cTn id="12" fill="hold">
+                            <p:stCondLst>
+                              <p:cond delay="0"/>
+                            </p:stCondLst>
+                            <p:childTnLst>
+                              <p:par>
+                                <p:cTn id="13" presetID="10" presetClass="entr" presetSubtype="0" fill="hold" grpId="0" nodeType="clickEffect">
+                                  <p:stCondLst>
+                                    <p:cond delay="0"/>
+                                  </p:stCondLst>
+                                  <p:childTnLst>
+                                    <p:set>
+                                      <p:cBhvr>
+                                        <p:cTn id="14" dur="1" fill="hold">
+                                          <p:stCondLst>
+                                            <p:cond delay="0"/>
+                                          </p:stCondLst>
+                                        </p:cTn>
+                                        <p:tgtEl>
+                                          <p:spTgt spid="3">
+                                            <p:txEl>
+                                              <p:pRg st="2" end="2"/>
+                                            </p:txEl>
+                                          </p:spTgt>
+                                        </p:tgtEl>
+                                        <p:attrNameLst>
+                                          <p:attrName>style.visibility</p:attrName>
+                                        </p:attrNameLst>
+                                      </p:cBhvr>
+                                      <p:to>
+                                        <p:strVal val="visible"/>
+                                      </p:to>
+                                    </p:set>
+                                    <p:animEffect transition="in" filter="fade">
+                                      <p:cBhvr>
+                                        <p:cTn id="15" dur="500"/>
+                                        <p:tgtEl>
+                                          <p:spTgt spid="3">
+                                            <p:txEl>
+                                              <p:pRg st="2" end="2"/>
+                                            </p:txEl>
+                                          </p:spTgt>
+                                        </p:tgtEl>
+                                      </p:cBhvr>
+                                    </p:animEffect>
+                                  </p:childTnLst>
+                                </p:cTn>
+                              </p:par>
+                            </p:childTnLst>
+                          </p:cTn>
+                        </p:par>
+                      </p:childTnLst>
+                    </p:cTn>
+                  </p:par>
+                  <p:par>
+                    <p:cTn id="16" fill="hold">
+                      <p:stCondLst>
+                        <p:cond delay="indefinite"/>
+                      </p:stCondLst>
+                      <p:childTnLst>
+                        <p:par>
+                          <p:cTn id="17" fill="hold">
+                            <p:stCondLst>
+                              <p:cond delay="0"/>
+                            </p:stCondLst>
+                            <p:childTnLst>
+                              <p:par>
+                                <p:cTn id="18" presetID="10" presetClass="entr" presetSubtype="0" fill="hold" grpId="0" nodeType="clickEffect">
+                                  <p:stCondLst>
+                                    <p:cond delay="0"/>
+                                  </p:stCondLst>
+                                  <p:childTnLst>
+                                    <p:set>
+                                      <p:cBhvr>
+                                        <p:cTn id="19" dur="1" fill="hold">
+                                          <p:stCondLst>
+                                            <p:cond delay="0"/>
+                                          </p:stCondLst>
+                                        </p:cTn>
+                                        <p:tgtEl>
+                                          <p:spTgt spid="3">
+                                            <p:txEl>
+                                              <p:pRg st="3" end="3"/>
+                                            </p:txEl>
+                                          </p:spTgt>
+                                        </p:tgtEl>
+                                        <p:attrNameLst>
+                                          <p:attrName>style.visibility</p:attrName>
+                                        </p:attrNameLst>
+                                      </p:cBhvr>
+                                      <p:to>
+                                        <p:strVal val="visible"/>
+                                      </p:to>
+                                    </p:set>
+                                    <p:animEffect transition="in" filter="fade">
+                                      <p:cBhvr>
+                                        <p:cTn id="20" dur="500"/>
+                                        <p:tgtEl>
+                                          <p:spTgt spid="3">
+                                            <p:txEl>
+                                              <p:pRg st="3" end="3"/>
+                                            </p:txEl>
+                                          </p:spTgt>
+                                        </p:tgtEl>
+                                      </p:cBhvr>
+                                    </p:animEffect>
+                                  </p:childTnLst>
+                                </p:cTn>
+                              </p:par>
+                            </p:childTnLst>
+                          </p:cTn>
+                        </p:par>
+                      </p:childTnLst>
+                    </p:cTn>
+                  </p:par>
+                  <p:par>
+                    <p:cTn id="21" fill="hold">
+                      <p:stCondLst>
+                        <p:cond delay="indefinite"/>
+                      </p:stCondLst>
+                      <p:childTnLst>
+                        <p:par>
+                          <p:cTn id="22" fill="hold">
+                            <p:stCondLst>
+                              <p:cond delay="0"/>
+                            </p:stCondLst>
+                            <p:childTnLst>
+                              <p:par>
+                                <p:cTn id="23" presetID="10" presetClass="entr" presetSubtype="0" fill="hold" grpId="0" nodeType="clickEffect">
+                                  <p:stCondLst>
+                                    <p:cond delay="0"/>
+                                  </p:stCondLst>
+                                  <p:childTnLst>
+                                    <p:set>
+                                      <p:cBhvr>
+                                        <p:cTn id="24" dur="1" fill="hold">
+                                          <p:stCondLst>
+                                            <p:cond delay="0"/>
+                                          </p:stCondLst>
+                                        </p:cTn>
+                                        <p:tgtEl>
+                                          <p:spTgt spid="3">
+                                            <p:txEl>
+                                              <p:pRg st="4" end="4"/>
+                                            </p:txEl>
+                                          </p:spTgt>
+                                        </p:tgtEl>
+                                        <p:attrNameLst>
+                                          <p:attrName>style.visibility</p:attrName>
+                                        </p:attrNameLst>
+                                      </p:cBhvr>
+                                      <p:to>
+                                        <p:strVal val="visible"/>
+                                      </p:to>
+                                    </p:set>
+                                    <p:animEffect transition="in" filter="fade">
+                                      <p:cBhvr>
+                                        <p:cTn id="25" dur="500"/>
+                                        <p:tgtEl>
+                                          <p:spTgt spid="3">
+                                            <p:txEl>
+                                              <p:pRg st="4" end="4"/>
+                                            </p:txEl>
+                                          </p:spTgt>
+                                        </p:tgtEl>
+                                      </p:cBhvr>
+                                    </p:animEffect>
+                                  </p:childTnLst>
+                                </p:cTn>
+                              </p:par>
+                            </p:childTnLst>
+                          </p:cTn>
+                        </p:par>
+                      </p:childTnLst>
+                    </p:cTn>
+                  </p:par>
+                  <p:par>
+                    <p:cTn id="26" fill="hold">
+                      <p:stCondLst>
+                        <p:cond delay="indefinite"/>
+                      </p:stCondLst>
+                      <p:childTnLst>
+                        <p:par>
+                          <p:cTn id="27" fill="hold">
+                            <p:stCondLst>
+                              <p:cond delay="0"/>
+                            </p:stCondLst>
+                            <p:childTnLst>
+                              <p:par>
+                                <p:cTn id="28" presetID="10" presetClass="entr" presetSubtype="0" fill="hold" grpId="0" nodeType="clickEffect">
+                                  <p:stCondLst>
+                                    <p:cond delay="0"/>
+                                  </p:stCondLst>
+                                  <p:childTnLst>
+                                    <p:set>
+                                      <p:cBhvr>
+                                        <p:cTn id="29" dur="1" fill="hold">
+                                          <p:stCondLst>
+                                            <p:cond delay="0"/>
+                                          </p:stCondLst>
+                                        </p:cTn>
+                                        <p:tgtEl>
+                                          <p:spTgt spid="3">
+                                            <p:txEl>
+                                              <p:pRg st="5" end="5"/>
+                                            </p:txEl>
+                                          </p:spTgt>
+                                        </p:tgtEl>
+                                        <p:attrNameLst>
+                                          <p:attrName>style.visibility</p:attrName>
+                                        </p:attrNameLst>
+                                      </p:cBhvr>
+                                      <p:to>
+                                        <p:strVal val="visible"/>
+                                      </p:to>
+                                    </p:set>
+                                    <p:animEffect transition="in" filter="fade">
+                                      <p:cBhvr>
+                                        <p:cTn id="30" dur="500"/>
+                                        <p:tgtEl>
+                                          <p:spTgt spid="3">
+                                            <p:txEl>
+                                              <p:pRg st="5" end="5"/>
+                                            </p:txEl>
+                                          </p:spTgt>
+                                        </p:tgtEl>
+                                      </p:cBhvr>
+                                    </p:animEffect>
+                                  </p:childTnLst>
+                                </p:cTn>
+                              </p:par>
+                            </p:childTnLst>
+                          </p:cTn>
+                        </p:par>
+                      </p:childTnLst>
+                    </p:cTn>
+                  </p:par>
+                  <p:par>
+                    <p:cTn id="31" fill="hold">
+                      <p:stCondLst>
+                        <p:cond delay="indefinite"/>
+                      </p:stCondLst>
+                      <p:childTnLst>
+                        <p:par>
+                          <p:cTn id="32" fill="hold">
+                            <p:stCondLst>
+                              <p:cond delay="0"/>
+                            </p:stCondLst>
+                            <p:childTnLst>
+                              <p:par>
+                                <p:cTn id="33" presetID="10" presetClass="entr" presetSubtype="0" fill="hold" grpId="0" nodeType="clickEffect">
+                                  <p:stCondLst>
+                                    <p:cond delay="0"/>
+                                  </p:stCondLst>
+                                  <p:childTnLst>
+                                    <p:set>
+                                      <p:cBhvr>
+                                        <p:cTn id="34" dur="1" fill="hold">
+                                          <p:stCondLst>
+                                            <p:cond delay="0"/>
+                                          </p:stCondLst>
+                                        </p:cTn>
+                                        <p:tgtEl>
+                                          <p:spTgt spid="3">
+                                            <p:txEl>
+                                              <p:pRg st="6" end="6"/>
+                                            </p:txEl>
+                                          </p:spTgt>
+                                        </p:tgtEl>
+                                        <p:attrNameLst>
+                                          <p:attrName>style.visibility</p:attrName>
+                                        </p:attrNameLst>
+                                      </p:cBhvr>
+                                      <p:to>
+                                        <p:strVal val="visible"/>
+                                      </p:to>
+                                    </p:set>
+                                    <p:animEffect transition="in" filter="fade">
+                                      <p:cBhvr>
+                                        <p:cTn id="35" dur="500"/>
+                                        <p:tgtEl>
+                                          <p:spTgt spid="3">
+                                            <p:txEl>
+                                              <p:pRg st="6" end="6"/>
+                                            </p:txEl>
+                                          </p:spTgt>
+                                        </p:tgtEl>
+                                      </p:cBhvr>
+                                    </p:animEffect>
+                                  </p:childTnLst>
+                                </p:cTn>
+                              </p:par>
+                            </p:childTnLst>
+                          </p:cTn>
+                        </p:par>
+                      </p:childTnLst>
+                    </p:cTn>
+                  </p:par>
+                </p:childTnLst>
+              </p:cTn>
+              <p:prevCondLst>
+                <p:cond evt="onPrev" delay="0">
+                  <p:tgtEl>
+                    <p:sldTgt/>
+                  </p:tgtEl>
+                </p:cond>
+              </p:prevCondLst>
+              <p:nextCondLst>
+                <p:cond evt="onNext" delay="0">
+                  <p:tgtEl>
+                    <p:sldTgt/>
+                  </p:tgtEl>
+                </p:cond>
+              </p:nextCondLst>
+            </p:seq>
+          </p:childTnLst>
+        </p:cTn>
       </p:par>
     </p:tnLst>
+    <p:bldLst>
+      <p:bldP spid="3" grpId="0" uiExpand="1" build="p"/>
+    </p:bldLst>
   </p:timing>
 </p:sld>
 </file>
@@ -13386,8 +14265,9 @@
           <a:p>
             <a:r>
               <a:rPr lang="it-IT" sz="3200" noProof="0" dirty="0" smtClean="0"/>
-              <a:t>Non ci sono magiche astrazioni</a:t>
-            </a:r>
+              <a:t>Non si basa su magiche astrazioni</a:t>
+            </a:r>
+            <a:endParaRPr lang="it-IT" sz="3200" noProof="0" dirty="0" smtClean="0"/>
           </a:p>
           <a:p>
             <a:pPr marL="400050" lvl="1" indent="0">
@@ -13395,7 +14275,19 @@
             </a:pPr>
             <a:r>
               <a:rPr lang="it-IT" sz="2000" noProof="0" dirty="0" smtClean="0"/>
-              <a:t>Interfacce di alto livello sviluppate per la maggior parte degli store</a:t>
+              <a:t>Interfacce di alto livello </a:t>
+            </a:r>
+            <a:r>
+              <a:rPr lang="it-IT" sz="2000" noProof="0" dirty="0" smtClean="0"/>
+              <a:t>sviluppate </a:t>
+            </a:r>
+            <a:r>
+              <a:rPr lang="it-IT" sz="2000" noProof="0" dirty="0" smtClean="0"/>
+              <a:t>per </a:t>
+            </a:r>
+            <a:r>
+              <a:rPr lang="it-IT" sz="2000" noProof="0" dirty="0" smtClean="0"/>
+              <a:t>tutti gli store</a:t>
             </a:r>
             <a:endParaRPr lang="it-IT" sz="3200" noProof="0" dirty="0" smtClean="0"/>
           </a:p>
@@ -13405,7 +14297,15 @@
             </a:pPr>
             <a:r>
               <a:rPr lang="it-IT" sz="2000" noProof="0" dirty="0" smtClean="0"/>
-              <a:t>Specializzazioni per i vari provider gestiti attraverso estensioni</a:t>
+              <a:t>Specializzazioni per i vari provider </a:t>
+            </a:r>
+            <a:r>
+              <a:rPr lang="it-IT" sz="2000" noProof="0" dirty="0" smtClean="0"/>
+              <a:t>gestite </a:t>
+            </a:r>
+            <a:r>
+              <a:rPr lang="it-IT" sz="2000" noProof="0" dirty="0" smtClean="0"/>
+              <a:t>attraverso estensioni</a:t>
             </a:r>
           </a:p>
           <a:p>
@@ -13475,9 +14375,519 @@
   <p:timing>
     <p:tnLst>
       <p:par>
-        <p:cTn id="1" dur="indefinite" restart="never" nodeType="tmRoot"/>
+        <p:cTn id="1" dur="indefinite" restart="never" nodeType="tmRoot">
+          <p:childTnLst>
+            <p:seq concurrent="1" nextAc="seek">
+              <p:cTn id="2" dur="indefinite" nodeType="mainSeq">
+                <p:childTnLst>
+                  <p:par>
+                    <p:cTn id="3" fill="hold">
+                      <p:stCondLst>
+                        <p:cond delay="indefinite"/>
+                      </p:stCondLst>
+                      <p:childTnLst>
+                        <p:par>
+                          <p:cTn id="4" fill="hold">
+                            <p:stCondLst>
+                              <p:cond delay="0"/>
+                            </p:stCondLst>
+                            <p:childTnLst>
+                              <p:par>
+                                <p:cTn id="5" presetID="10" presetClass="entr" presetSubtype="0" fill="hold" grpId="0" nodeType="clickEffect">
+                                  <p:stCondLst>
+                                    <p:cond delay="0"/>
+                                  </p:stCondLst>
+                                  <p:childTnLst>
+                                    <p:set>
+                                      <p:cBhvr>
+                                        <p:cTn id="6" dur="1" fill="hold">
+                                          <p:stCondLst>
+                                            <p:cond delay="0"/>
+                                          </p:stCondLst>
+                                        </p:cTn>
+                                        <p:tgtEl>
+                                          <p:spTgt spid="3">
+                                            <p:txEl>
+                                              <p:pRg st="0" end="0"/>
+                                            </p:txEl>
+                                          </p:spTgt>
+                                        </p:tgtEl>
+                                        <p:attrNameLst>
+                                          <p:attrName>style.visibility</p:attrName>
+                                        </p:attrNameLst>
+                                      </p:cBhvr>
+                                      <p:to>
+                                        <p:strVal val="visible"/>
+                                      </p:to>
+                                    </p:set>
+                                    <p:animEffect transition="in" filter="fade">
+                                      <p:cBhvr>
+                                        <p:cTn id="7" dur="500"/>
+                                        <p:tgtEl>
+                                          <p:spTgt spid="3">
+                                            <p:txEl>
+                                              <p:pRg st="0" end="0"/>
+                                            </p:txEl>
+                                          </p:spTgt>
+                                        </p:tgtEl>
+                                      </p:cBhvr>
+                                    </p:animEffect>
+                                  </p:childTnLst>
+                                </p:cTn>
+                              </p:par>
+                            </p:childTnLst>
+                          </p:cTn>
+                        </p:par>
+                      </p:childTnLst>
+                    </p:cTn>
+                  </p:par>
+                  <p:par>
+                    <p:cTn id="8" fill="hold">
+                      <p:stCondLst>
+                        <p:cond delay="indefinite"/>
+                      </p:stCondLst>
+                      <p:childTnLst>
+                        <p:par>
+                          <p:cTn id="9" fill="hold">
+                            <p:stCondLst>
+                              <p:cond delay="0"/>
+                            </p:stCondLst>
+                            <p:childTnLst>
+                              <p:par>
+                                <p:cTn id="10" presetID="10" presetClass="entr" presetSubtype="0" fill="hold" grpId="0" nodeType="clickEffect">
+                                  <p:stCondLst>
+                                    <p:cond delay="0"/>
+                                  </p:stCondLst>
+                                  <p:childTnLst>
+                                    <p:set>
+                                      <p:cBhvr>
+                                        <p:cTn id="11" dur="1" fill="hold">
+                                          <p:stCondLst>
+                                            <p:cond delay="0"/>
+                                          </p:stCondLst>
+                                        </p:cTn>
+                                        <p:tgtEl>
+                                          <p:spTgt spid="3">
+                                            <p:txEl>
+                                              <p:pRg st="1" end="1"/>
+                                            </p:txEl>
+                                          </p:spTgt>
+                                        </p:tgtEl>
+                                        <p:attrNameLst>
+                                          <p:attrName>style.visibility</p:attrName>
+                                        </p:attrNameLst>
+                                      </p:cBhvr>
+                                      <p:to>
+                                        <p:strVal val="visible"/>
+                                      </p:to>
+                                    </p:set>
+                                    <p:animEffect transition="in" filter="fade">
+                                      <p:cBhvr>
+                                        <p:cTn id="12" dur="500"/>
+                                        <p:tgtEl>
+                                          <p:spTgt spid="3">
+                                            <p:txEl>
+                                              <p:pRg st="1" end="1"/>
+                                            </p:txEl>
+                                          </p:spTgt>
+                                        </p:tgtEl>
+                                      </p:cBhvr>
+                                    </p:animEffect>
+                                  </p:childTnLst>
+                                </p:cTn>
+                              </p:par>
+                              <p:par>
+                                <p:cTn id="13" presetID="10" presetClass="entr" presetSubtype="0" fill="hold" grpId="0" nodeType="withEffect">
+                                  <p:stCondLst>
+                                    <p:cond delay="0"/>
+                                  </p:stCondLst>
+                                  <p:childTnLst>
+                                    <p:set>
+                                      <p:cBhvr>
+                                        <p:cTn id="14" dur="1" fill="hold">
+                                          <p:stCondLst>
+                                            <p:cond delay="0"/>
+                                          </p:stCondLst>
+                                        </p:cTn>
+                                        <p:tgtEl>
+                                          <p:spTgt spid="3">
+                                            <p:txEl>
+                                              <p:pRg st="2" end="2"/>
+                                            </p:txEl>
+                                          </p:spTgt>
+                                        </p:tgtEl>
+                                        <p:attrNameLst>
+                                          <p:attrName>style.visibility</p:attrName>
+                                        </p:attrNameLst>
+                                      </p:cBhvr>
+                                      <p:to>
+                                        <p:strVal val="visible"/>
+                                      </p:to>
+                                    </p:set>
+                                    <p:animEffect transition="in" filter="fade">
+                                      <p:cBhvr>
+                                        <p:cTn id="15" dur="500"/>
+                                        <p:tgtEl>
+                                          <p:spTgt spid="3">
+                                            <p:txEl>
+                                              <p:pRg st="2" end="2"/>
+                                            </p:txEl>
+                                          </p:spTgt>
+                                        </p:tgtEl>
+                                      </p:cBhvr>
+                                    </p:animEffect>
+                                  </p:childTnLst>
+                                </p:cTn>
+                              </p:par>
+                              <p:par>
+                                <p:cTn id="16" presetID="10" presetClass="entr" presetSubtype="0" fill="hold" grpId="0" nodeType="withEffect">
+                                  <p:stCondLst>
+                                    <p:cond delay="0"/>
+                                  </p:stCondLst>
+                                  <p:childTnLst>
+                                    <p:set>
+                                      <p:cBhvr>
+                                        <p:cTn id="17" dur="1" fill="hold">
+                                          <p:stCondLst>
+                                            <p:cond delay="0"/>
+                                          </p:stCondLst>
+                                        </p:cTn>
+                                        <p:tgtEl>
+                                          <p:spTgt spid="3">
+                                            <p:txEl>
+                                              <p:pRg st="3" end="3"/>
+                                            </p:txEl>
+                                          </p:spTgt>
+                                        </p:tgtEl>
+                                        <p:attrNameLst>
+                                          <p:attrName>style.visibility</p:attrName>
+                                        </p:attrNameLst>
+                                      </p:cBhvr>
+                                      <p:to>
+                                        <p:strVal val="visible"/>
+                                      </p:to>
+                                    </p:set>
+                                    <p:animEffect transition="in" filter="fade">
+                                      <p:cBhvr>
+                                        <p:cTn id="18" dur="500"/>
+                                        <p:tgtEl>
+                                          <p:spTgt spid="3">
+                                            <p:txEl>
+                                              <p:pRg st="3" end="3"/>
+                                            </p:txEl>
+                                          </p:spTgt>
+                                        </p:tgtEl>
+                                      </p:cBhvr>
+                                    </p:animEffect>
+                                  </p:childTnLst>
+                                </p:cTn>
+                              </p:par>
+                            </p:childTnLst>
+                          </p:cTn>
+                        </p:par>
+                      </p:childTnLst>
+                    </p:cTn>
+                  </p:par>
+                  <p:par>
+                    <p:cTn id="19" fill="hold">
+                      <p:stCondLst>
+                        <p:cond delay="indefinite"/>
+                      </p:stCondLst>
+                      <p:childTnLst>
+                        <p:par>
+                          <p:cTn id="20" fill="hold">
+                            <p:stCondLst>
+                              <p:cond delay="0"/>
+                            </p:stCondLst>
+                            <p:childTnLst>
+                              <p:par>
+                                <p:cTn id="21" presetID="10" presetClass="entr" presetSubtype="0" fill="hold" grpId="0" nodeType="clickEffect">
+                                  <p:stCondLst>
+                                    <p:cond delay="0"/>
+                                  </p:stCondLst>
+                                  <p:childTnLst>
+                                    <p:set>
+                                      <p:cBhvr>
+                                        <p:cTn id="22" dur="1" fill="hold">
+                                          <p:stCondLst>
+                                            <p:cond delay="0"/>
+                                          </p:stCondLst>
+                                        </p:cTn>
+                                        <p:tgtEl>
+                                          <p:spTgt spid="3">
+                                            <p:txEl>
+                                              <p:pRg st="4" end="4"/>
+                                            </p:txEl>
+                                          </p:spTgt>
+                                        </p:tgtEl>
+                                        <p:attrNameLst>
+                                          <p:attrName>style.visibility</p:attrName>
+                                        </p:attrNameLst>
+                                      </p:cBhvr>
+                                      <p:to>
+                                        <p:strVal val="visible"/>
+                                      </p:to>
+                                    </p:set>
+                                    <p:animEffect transition="in" filter="fade">
+                                      <p:cBhvr>
+                                        <p:cTn id="23" dur="500"/>
+                                        <p:tgtEl>
+                                          <p:spTgt spid="3">
+                                            <p:txEl>
+                                              <p:pRg st="4" end="4"/>
+                                            </p:txEl>
+                                          </p:spTgt>
+                                        </p:tgtEl>
+                                      </p:cBhvr>
+                                    </p:animEffect>
+                                  </p:childTnLst>
+                                </p:cTn>
+                              </p:par>
+                              <p:par>
+                                <p:cTn id="24" presetID="10" presetClass="entr" presetSubtype="0" fill="hold" grpId="0" nodeType="withEffect">
+                                  <p:stCondLst>
+                                    <p:cond delay="0"/>
+                                  </p:stCondLst>
+                                  <p:childTnLst>
+                                    <p:set>
+                                      <p:cBhvr>
+                                        <p:cTn id="25" dur="1" fill="hold">
+                                          <p:stCondLst>
+                                            <p:cond delay="0"/>
+                                          </p:stCondLst>
+                                        </p:cTn>
+                                        <p:tgtEl>
+                                          <p:spTgt spid="3">
+                                            <p:txEl>
+                                              <p:pRg st="5" end="5"/>
+                                            </p:txEl>
+                                          </p:spTgt>
+                                        </p:tgtEl>
+                                        <p:attrNameLst>
+                                          <p:attrName>style.visibility</p:attrName>
+                                        </p:attrNameLst>
+                                      </p:cBhvr>
+                                      <p:to>
+                                        <p:strVal val="visible"/>
+                                      </p:to>
+                                    </p:set>
+                                    <p:animEffect transition="in" filter="fade">
+                                      <p:cBhvr>
+                                        <p:cTn id="26" dur="500"/>
+                                        <p:tgtEl>
+                                          <p:spTgt spid="3">
+                                            <p:txEl>
+                                              <p:pRg st="5" end="5"/>
+                                            </p:txEl>
+                                          </p:spTgt>
+                                        </p:tgtEl>
+                                      </p:cBhvr>
+                                    </p:animEffect>
+                                  </p:childTnLst>
+                                </p:cTn>
+                              </p:par>
+                              <p:par>
+                                <p:cTn id="27" presetID="10" presetClass="entr" presetSubtype="0" fill="hold" grpId="0" nodeType="withEffect">
+                                  <p:stCondLst>
+                                    <p:cond delay="0"/>
+                                  </p:stCondLst>
+                                  <p:childTnLst>
+                                    <p:set>
+                                      <p:cBhvr>
+                                        <p:cTn id="28" dur="1" fill="hold">
+                                          <p:stCondLst>
+                                            <p:cond delay="0"/>
+                                          </p:stCondLst>
+                                        </p:cTn>
+                                        <p:tgtEl>
+                                          <p:spTgt spid="3">
+                                            <p:txEl>
+                                              <p:pRg st="6" end="6"/>
+                                            </p:txEl>
+                                          </p:spTgt>
+                                        </p:tgtEl>
+                                        <p:attrNameLst>
+                                          <p:attrName>style.visibility</p:attrName>
+                                        </p:attrNameLst>
+                                      </p:cBhvr>
+                                      <p:to>
+                                        <p:strVal val="visible"/>
+                                      </p:to>
+                                    </p:set>
+                                    <p:animEffect transition="in" filter="fade">
+                                      <p:cBhvr>
+                                        <p:cTn id="29" dur="500"/>
+                                        <p:tgtEl>
+                                          <p:spTgt spid="3">
+                                            <p:txEl>
+                                              <p:pRg st="6" end="6"/>
+                                            </p:txEl>
+                                          </p:spTgt>
+                                        </p:tgtEl>
+                                      </p:cBhvr>
+                                    </p:animEffect>
+                                  </p:childTnLst>
+                                </p:cTn>
+                              </p:par>
+                              <p:par>
+                                <p:cTn id="30" presetID="10" presetClass="entr" presetSubtype="0" fill="hold" grpId="0" nodeType="withEffect">
+                                  <p:stCondLst>
+                                    <p:cond delay="0"/>
+                                  </p:stCondLst>
+                                  <p:childTnLst>
+                                    <p:set>
+                                      <p:cBhvr>
+                                        <p:cTn id="31" dur="1" fill="hold">
+                                          <p:stCondLst>
+                                            <p:cond delay="0"/>
+                                          </p:stCondLst>
+                                        </p:cTn>
+                                        <p:tgtEl>
+                                          <p:spTgt spid="3">
+                                            <p:txEl>
+                                              <p:pRg st="7" end="7"/>
+                                            </p:txEl>
+                                          </p:spTgt>
+                                        </p:tgtEl>
+                                        <p:attrNameLst>
+                                          <p:attrName>style.visibility</p:attrName>
+                                        </p:attrNameLst>
+                                      </p:cBhvr>
+                                      <p:to>
+                                        <p:strVal val="visible"/>
+                                      </p:to>
+                                    </p:set>
+                                    <p:animEffect transition="in" filter="fade">
+                                      <p:cBhvr>
+                                        <p:cTn id="32" dur="500"/>
+                                        <p:tgtEl>
+                                          <p:spTgt spid="3">
+                                            <p:txEl>
+                                              <p:pRg st="7" end="7"/>
+                                            </p:txEl>
+                                          </p:spTgt>
+                                        </p:tgtEl>
+                                      </p:cBhvr>
+                                    </p:animEffect>
+                                  </p:childTnLst>
+                                </p:cTn>
+                              </p:par>
+                              <p:par>
+                                <p:cTn id="33" presetID="10" presetClass="entr" presetSubtype="0" fill="hold" grpId="0" nodeType="withEffect">
+                                  <p:stCondLst>
+                                    <p:cond delay="0"/>
+                                  </p:stCondLst>
+                                  <p:childTnLst>
+                                    <p:set>
+                                      <p:cBhvr>
+                                        <p:cTn id="34" dur="1" fill="hold">
+                                          <p:stCondLst>
+                                            <p:cond delay="0"/>
+                                          </p:stCondLst>
+                                        </p:cTn>
+                                        <p:tgtEl>
+                                          <p:spTgt spid="3">
+                                            <p:txEl>
+                                              <p:pRg st="8" end="8"/>
+                                            </p:txEl>
+                                          </p:spTgt>
+                                        </p:tgtEl>
+                                        <p:attrNameLst>
+                                          <p:attrName>style.visibility</p:attrName>
+                                        </p:attrNameLst>
+                                      </p:cBhvr>
+                                      <p:to>
+                                        <p:strVal val="visible"/>
+                                      </p:to>
+                                    </p:set>
+                                    <p:animEffect transition="in" filter="fade">
+                                      <p:cBhvr>
+                                        <p:cTn id="35" dur="500"/>
+                                        <p:tgtEl>
+                                          <p:spTgt spid="3">
+                                            <p:txEl>
+                                              <p:pRg st="8" end="8"/>
+                                            </p:txEl>
+                                          </p:spTgt>
+                                        </p:tgtEl>
+                                      </p:cBhvr>
+                                    </p:animEffect>
+                                  </p:childTnLst>
+                                </p:cTn>
+                              </p:par>
+                              <p:par>
+                                <p:cTn id="36" presetID="10" presetClass="entr" presetSubtype="0" fill="hold" grpId="0" nodeType="withEffect">
+                                  <p:stCondLst>
+                                    <p:cond delay="0"/>
+                                  </p:stCondLst>
+                                  <p:childTnLst>
+                                    <p:set>
+                                      <p:cBhvr>
+                                        <p:cTn id="37" dur="1" fill="hold">
+                                          <p:stCondLst>
+                                            <p:cond delay="0"/>
+                                          </p:stCondLst>
+                                        </p:cTn>
+                                        <p:tgtEl>
+                                          <p:spTgt spid="3">
+                                            <p:txEl>
+                                              <p:pRg st="9" end="9"/>
+                                            </p:txEl>
+                                          </p:spTgt>
+                                        </p:tgtEl>
+                                        <p:attrNameLst>
+                                          <p:attrName>style.visibility</p:attrName>
+                                        </p:attrNameLst>
+                                      </p:cBhvr>
+                                      <p:to>
+                                        <p:strVal val="visible"/>
+                                      </p:to>
+                                    </p:set>
+                                    <p:animEffect transition="in" filter="fade">
+                                      <p:cBhvr>
+                                        <p:cTn id="38" dur="500"/>
+                                        <p:tgtEl>
+                                          <p:spTgt spid="3">
+                                            <p:txEl>
+                                              <p:pRg st="9" end="9"/>
+                                            </p:txEl>
+                                          </p:spTgt>
+                                        </p:tgtEl>
+                                      </p:cBhvr>
+                                    </p:animEffect>
+                                  </p:childTnLst>
+                                </p:cTn>
+                              </p:par>
+                            </p:childTnLst>
+                          </p:cTn>
+                        </p:par>
+                      </p:childTnLst>
+                    </p:cTn>
+                  </p:par>
+                </p:childTnLst>
+              </p:cTn>
+              <p:prevCondLst>
+                <p:cond evt="onPrev" delay="0">
+                  <p:tgtEl>
+                    <p:sldTgt/>
+                  </p:tgtEl>
+                </p:cond>
+              </p:prevCondLst>
+              <p:nextCondLst>
+                <p:cond evt="onNext" delay="0">
+                  <p:tgtEl>
+                    <p:sldTgt/>
+                  </p:tgtEl>
+                </p:cond>
+              </p:nextCondLst>
+            </p:seq>
+          </p:childTnLst>
+        </p:cTn>
       </p:par>
     </p:tnLst>
+    <p:bldLst>
+      <p:bldP spid="3" grpId="0" build="p"/>
+    </p:bldLst>
   </p:timing>
 </p:sld>
 </file>
@@ -13567,8 +14977,33 @@
             </a:pPr>
             <a:r>
               <a:rPr lang="it-IT" sz="2000" noProof="0" dirty="0" smtClean="0"/>
-              <a:t>Utilizza API che non sono disponibili per tutte le piattaforme</a:t>
-            </a:r>
+              <a:t>API non disponibili </a:t>
+            </a:r>
+            <a:r>
+              <a:rPr lang="it-IT" sz="2000" noProof="0" dirty="0" smtClean="0"/>
+              <a:t>per tutte le </a:t>
+            </a:r>
+            <a:r>
+              <a:rPr lang="it-IT" sz="2000" noProof="0" dirty="0" smtClean="0"/>
+              <a:t>piattaforme (</a:t>
+            </a:r>
+            <a:r>
+              <a:rPr lang="it-IT" sz="2000" noProof="0" dirty="0" err="1" smtClean="0"/>
+              <a:t>dynamic</a:t>
+            </a:r>
+            <a:r>
+              <a:rPr lang="it-IT" sz="2000" noProof="0" dirty="0" smtClean="0"/>
+              <a:t> </a:t>
+            </a:r>
+            <a:r>
+              <a:rPr lang="it-IT" sz="2000" noProof="0" dirty="0" err="1" smtClean="0"/>
+              <a:t>assembly</a:t>
+            </a:r>
+            <a:r>
+              <a:rPr lang="it-IT" sz="2000" noProof="0" dirty="0" smtClean="0"/>
+              <a:t> gen.)</a:t>
+            </a:r>
+            <a:endParaRPr lang="it-IT" sz="2000" noProof="0" dirty="0" smtClean="0"/>
           </a:p>
           <a:p>
             <a:pPr marL="400050" lvl="1" indent="0">
@@ -13585,7 +15020,17 @@
             </a:pPr>
             <a:r>
               <a:rPr lang="it-IT" sz="2000" noProof="0" dirty="0" smtClean="0"/>
-              <a:t>Implementazione monolitica (chiuso per estensioni)</a:t>
+              <a:t>Implementazione monolitica (chiuso per estensioni</a:t>
+            </a:r>
+            <a:r>
+              <a:rPr lang="it-IT" sz="2000" noProof="0" dirty="0" smtClean="0"/>
+              <a:t>)</a:t>
+            </a:r>
+          </a:p>
+          <a:p>
+            <a:r>
+              <a:rPr lang="it-IT" sz="3200" noProof="0" dirty="0" smtClean="0"/>
+              <a:t>Non ottimizzato per piccoli device</a:t>
             </a:r>
           </a:p>
           <a:p>
@@ -13594,22 +15039,11 @@
             </a:pPr>
             <a:r>
               <a:rPr lang="it-IT" sz="2000" noProof="0" dirty="0" smtClean="0"/>
-              <a:t>Comportamenti poco intuitivi un po’ in tutto il framework</a:t>
-            </a:r>
-          </a:p>
-          <a:p>
-            <a:r>
-              <a:rPr lang="it-IT" sz="3200" noProof="0" dirty="0" smtClean="0"/>
-              <a:t>Non ottimizzato per device mobili</a:t>
-            </a:r>
-          </a:p>
-          <a:p>
-            <a:pPr marL="400050" lvl="1" indent="0">
-              <a:buNone/>
-            </a:pPr>
+              <a:t>Consumo </a:t>
+            </a:r>
             <a:r>
               <a:rPr lang="it-IT" sz="2000" noProof="0" dirty="0" smtClean="0"/>
-              <a:t>Consumo eccessivo di memoria</a:t>
+              <a:t>eccessivo di memoria</a:t>
             </a:r>
           </a:p>
           <a:p>
@@ -13634,9 +15068,433 @@
   <p:timing>
     <p:tnLst>
       <p:par>
-        <p:cTn id="1" dur="indefinite" restart="never" nodeType="tmRoot"/>
+        <p:cTn id="1" dur="indefinite" restart="never" nodeType="tmRoot">
+          <p:childTnLst>
+            <p:seq concurrent="1" nextAc="seek">
+              <p:cTn id="2" dur="indefinite" nodeType="mainSeq">
+                <p:childTnLst>
+                  <p:par>
+                    <p:cTn id="3" fill="hold">
+                      <p:stCondLst>
+                        <p:cond delay="indefinite"/>
+                      </p:stCondLst>
+                      <p:childTnLst>
+                        <p:par>
+                          <p:cTn id="4" fill="hold">
+                            <p:stCondLst>
+                              <p:cond delay="0"/>
+                            </p:stCondLst>
+                            <p:childTnLst>
+                              <p:par>
+                                <p:cTn id="5" presetID="10" presetClass="entr" presetSubtype="0" fill="hold" grpId="0" nodeType="clickEffect">
+                                  <p:stCondLst>
+                                    <p:cond delay="0"/>
+                                  </p:stCondLst>
+                                  <p:childTnLst>
+                                    <p:set>
+                                      <p:cBhvr>
+                                        <p:cTn id="6" dur="1" fill="hold">
+                                          <p:stCondLst>
+                                            <p:cond delay="0"/>
+                                          </p:stCondLst>
+                                        </p:cTn>
+                                        <p:tgtEl>
+                                          <p:spTgt spid="3">
+                                            <p:txEl>
+                                              <p:pRg st="0" end="0"/>
+                                            </p:txEl>
+                                          </p:spTgt>
+                                        </p:tgtEl>
+                                        <p:attrNameLst>
+                                          <p:attrName>style.visibility</p:attrName>
+                                        </p:attrNameLst>
+                                      </p:cBhvr>
+                                      <p:to>
+                                        <p:strVal val="visible"/>
+                                      </p:to>
+                                    </p:set>
+                                    <p:animEffect transition="in" filter="fade">
+                                      <p:cBhvr>
+                                        <p:cTn id="7" dur="500"/>
+                                        <p:tgtEl>
+                                          <p:spTgt spid="3">
+                                            <p:txEl>
+                                              <p:pRg st="0" end="0"/>
+                                            </p:txEl>
+                                          </p:spTgt>
+                                        </p:tgtEl>
+                                      </p:cBhvr>
+                                    </p:animEffect>
+                                  </p:childTnLst>
+                                </p:cTn>
+                              </p:par>
+                              <p:par>
+                                <p:cTn id="8" presetID="10" presetClass="entr" presetSubtype="0" fill="hold" grpId="0" nodeType="withEffect">
+                                  <p:stCondLst>
+                                    <p:cond delay="0"/>
+                                  </p:stCondLst>
+                                  <p:childTnLst>
+                                    <p:set>
+                                      <p:cBhvr>
+                                        <p:cTn id="9" dur="1" fill="hold">
+                                          <p:stCondLst>
+                                            <p:cond delay="0"/>
+                                          </p:stCondLst>
+                                        </p:cTn>
+                                        <p:tgtEl>
+                                          <p:spTgt spid="3">
+                                            <p:txEl>
+                                              <p:pRg st="1" end="1"/>
+                                            </p:txEl>
+                                          </p:spTgt>
+                                        </p:tgtEl>
+                                        <p:attrNameLst>
+                                          <p:attrName>style.visibility</p:attrName>
+                                        </p:attrNameLst>
+                                      </p:cBhvr>
+                                      <p:to>
+                                        <p:strVal val="visible"/>
+                                      </p:to>
+                                    </p:set>
+                                    <p:animEffect transition="in" filter="fade">
+                                      <p:cBhvr>
+                                        <p:cTn id="10" dur="500"/>
+                                        <p:tgtEl>
+                                          <p:spTgt spid="3">
+                                            <p:txEl>
+                                              <p:pRg st="1" end="1"/>
+                                            </p:txEl>
+                                          </p:spTgt>
+                                        </p:tgtEl>
+                                      </p:cBhvr>
+                                    </p:animEffect>
+                                  </p:childTnLst>
+                                </p:cTn>
+                              </p:par>
+                              <p:par>
+                                <p:cTn id="11" presetID="10" presetClass="entr" presetSubtype="0" fill="hold" grpId="0" nodeType="withEffect">
+                                  <p:stCondLst>
+                                    <p:cond delay="0"/>
+                                  </p:stCondLst>
+                                  <p:childTnLst>
+                                    <p:set>
+                                      <p:cBhvr>
+                                        <p:cTn id="12" dur="1" fill="hold">
+                                          <p:stCondLst>
+                                            <p:cond delay="0"/>
+                                          </p:stCondLst>
+                                        </p:cTn>
+                                        <p:tgtEl>
+                                          <p:spTgt spid="3">
+                                            <p:txEl>
+                                              <p:pRg st="2" end="2"/>
+                                            </p:txEl>
+                                          </p:spTgt>
+                                        </p:tgtEl>
+                                        <p:attrNameLst>
+                                          <p:attrName>style.visibility</p:attrName>
+                                        </p:attrNameLst>
+                                      </p:cBhvr>
+                                      <p:to>
+                                        <p:strVal val="visible"/>
+                                      </p:to>
+                                    </p:set>
+                                    <p:animEffect transition="in" filter="fade">
+                                      <p:cBhvr>
+                                        <p:cTn id="13" dur="500"/>
+                                        <p:tgtEl>
+                                          <p:spTgt spid="3">
+                                            <p:txEl>
+                                              <p:pRg st="2" end="2"/>
+                                            </p:txEl>
+                                          </p:spTgt>
+                                        </p:tgtEl>
+                                      </p:cBhvr>
+                                    </p:animEffect>
+                                  </p:childTnLst>
+                                </p:cTn>
+                              </p:par>
+                              <p:par>
+                                <p:cTn id="14" presetID="10" presetClass="entr" presetSubtype="0" fill="hold" grpId="0" nodeType="withEffect">
+                                  <p:stCondLst>
+                                    <p:cond delay="0"/>
+                                  </p:stCondLst>
+                                  <p:childTnLst>
+                                    <p:set>
+                                      <p:cBhvr>
+                                        <p:cTn id="15" dur="1" fill="hold">
+                                          <p:stCondLst>
+                                            <p:cond delay="0"/>
+                                          </p:stCondLst>
+                                        </p:cTn>
+                                        <p:tgtEl>
+                                          <p:spTgt spid="3">
+                                            <p:txEl>
+                                              <p:pRg st="3" end="3"/>
+                                            </p:txEl>
+                                          </p:spTgt>
+                                        </p:tgtEl>
+                                        <p:attrNameLst>
+                                          <p:attrName>style.visibility</p:attrName>
+                                        </p:attrNameLst>
+                                      </p:cBhvr>
+                                      <p:to>
+                                        <p:strVal val="visible"/>
+                                      </p:to>
+                                    </p:set>
+                                    <p:animEffect transition="in" filter="fade">
+                                      <p:cBhvr>
+                                        <p:cTn id="16" dur="500"/>
+                                        <p:tgtEl>
+                                          <p:spTgt spid="3">
+                                            <p:txEl>
+                                              <p:pRg st="3" end="3"/>
+                                            </p:txEl>
+                                          </p:spTgt>
+                                        </p:tgtEl>
+                                      </p:cBhvr>
+                                    </p:animEffect>
+                                  </p:childTnLst>
+                                </p:cTn>
+                              </p:par>
+                              <p:par>
+                                <p:cTn id="17" presetID="10" presetClass="entr" presetSubtype="0" fill="hold" grpId="0" nodeType="withEffect">
+                                  <p:stCondLst>
+                                    <p:cond delay="0"/>
+                                  </p:stCondLst>
+                                  <p:childTnLst>
+                                    <p:set>
+                                      <p:cBhvr>
+                                        <p:cTn id="18" dur="1" fill="hold">
+                                          <p:stCondLst>
+                                            <p:cond delay="0"/>
+                                          </p:stCondLst>
+                                        </p:cTn>
+                                        <p:tgtEl>
+                                          <p:spTgt spid="3">
+                                            <p:txEl>
+                                              <p:pRg st="4" end="4"/>
+                                            </p:txEl>
+                                          </p:spTgt>
+                                        </p:tgtEl>
+                                        <p:attrNameLst>
+                                          <p:attrName>style.visibility</p:attrName>
+                                        </p:attrNameLst>
+                                      </p:cBhvr>
+                                      <p:to>
+                                        <p:strVal val="visible"/>
+                                      </p:to>
+                                    </p:set>
+                                    <p:animEffect transition="in" filter="fade">
+                                      <p:cBhvr>
+                                        <p:cTn id="19" dur="500"/>
+                                        <p:tgtEl>
+                                          <p:spTgt spid="3">
+                                            <p:txEl>
+                                              <p:pRg st="4" end="4"/>
+                                            </p:txEl>
+                                          </p:spTgt>
+                                        </p:tgtEl>
+                                      </p:cBhvr>
+                                    </p:animEffect>
+                                  </p:childTnLst>
+                                </p:cTn>
+                              </p:par>
+                            </p:childTnLst>
+                          </p:cTn>
+                        </p:par>
+                      </p:childTnLst>
+                    </p:cTn>
+                  </p:par>
+                  <p:par>
+                    <p:cTn id="20" fill="hold">
+                      <p:stCondLst>
+                        <p:cond delay="indefinite"/>
+                      </p:stCondLst>
+                      <p:childTnLst>
+                        <p:par>
+                          <p:cTn id="21" fill="hold">
+                            <p:stCondLst>
+                              <p:cond delay="0"/>
+                            </p:stCondLst>
+                            <p:childTnLst>
+                              <p:par>
+                                <p:cTn id="22" presetID="10" presetClass="entr" presetSubtype="0" fill="hold" grpId="0" nodeType="clickEffect">
+                                  <p:stCondLst>
+                                    <p:cond delay="0"/>
+                                  </p:stCondLst>
+                                  <p:childTnLst>
+                                    <p:set>
+                                      <p:cBhvr>
+                                        <p:cTn id="23" dur="1" fill="hold">
+                                          <p:stCondLst>
+                                            <p:cond delay="0"/>
+                                          </p:stCondLst>
+                                        </p:cTn>
+                                        <p:tgtEl>
+                                          <p:spTgt spid="3">
+                                            <p:txEl>
+                                              <p:pRg st="5" end="5"/>
+                                            </p:txEl>
+                                          </p:spTgt>
+                                        </p:tgtEl>
+                                        <p:attrNameLst>
+                                          <p:attrName>style.visibility</p:attrName>
+                                        </p:attrNameLst>
+                                      </p:cBhvr>
+                                      <p:to>
+                                        <p:strVal val="visible"/>
+                                      </p:to>
+                                    </p:set>
+                                    <p:animEffect transition="in" filter="fade">
+                                      <p:cBhvr>
+                                        <p:cTn id="24" dur="500"/>
+                                        <p:tgtEl>
+                                          <p:spTgt spid="3">
+                                            <p:txEl>
+                                              <p:pRg st="5" end="5"/>
+                                            </p:txEl>
+                                          </p:spTgt>
+                                        </p:tgtEl>
+                                      </p:cBhvr>
+                                    </p:animEffect>
+                                  </p:childTnLst>
+                                </p:cTn>
+                              </p:par>
+                              <p:par>
+                                <p:cTn id="25" presetID="10" presetClass="entr" presetSubtype="0" fill="hold" grpId="0" nodeType="withEffect">
+                                  <p:stCondLst>
+                                    <p:cond delay="0"/>
+                                  </p:stCondLst>
+                                  <p:childTnLst>
+                                    <p:set>
+                                      <p:cBhvr>
+                                        <p:cTn id="26" dur="1" fill="hold">
+                                          <p:stCondLst>
+                                            <p:cond delay="0"/>
+                                          </p:stCondLst>
+                                        </p:cTn>
+                                        <p:tgtEl>
+                                          <p:spTgt spid="3">
+                                            <p:txEl>
+                                              <p:pRg st="6" end="6"/>
+                                            </p:txEl>
+                                          </p:spTgt>
+                                        </p:tgtEl>
+                                        <p:attrNameLst>
+                                          <p:attrName>style.visibility</p:attrName>
+                                        </p:attrNameLst>
+                                      </p:cBhvr>
+                                      <p:to>
+                                        <p:strVal val="visible"/>
+                                      </p:to>
+                                    </p:set>
+                                    <p:animEffect transition="in" filter="fade">
+                                      <p:cBhvr>
+                                        <p:cTn id="27" dur="500"/>
+                                        <p:tgtEl>
+                                          <p:spTgt spid="3">
+                                            <p:txEl>
+                                              <p:pRg st="6" end="6"/>
+                                            </p:txEl>
+                                          </p:spTgt>
+                                        </p:tgtEl>
+                                      </p:cBhvr>
+                                    </p:animEffect>
+                                  </p:childTnLst>
+                                </p:cTn>
+                              </p:par>
+                            </p:childTnLst>
+                          </p:cTn>
+                        </p:par>
+                      </p:childTnLst>
+                    </p:cTn>
+                  </p:par>
+                  <p:par>
+                    <p:cTn id="28" fill="hold">
+                      <p:stCondLst>
+                        <p:cond delay="indefinite"/>
+                      </p:stCondLst>
+                      <p:childTnLst>
+                        <p:par>
+                          <p:cTn id="29" fill="hold">
+                            <p:stCondLst>
+                              <p:cond delay="0"/>
+                            </p:stCondLst>
+                            <p:childTnLst>
+                              <p:par>
+                                <p:cTn id="30" presetID="10" presetClass="entr" presetSubtype="0" fill="hold" grpId="0" nodeType="clickEffect">
+                                  <p:stCondLst>
+                                    <p:cond delay="0"/>
+                                  </p:stCondLst>
+                                  <p:childTnLst>
+                                    <p:set>
+                                      <p:cBhvr>
+                                        <p:cTn id="31" dur="1" fill="hold">
+                                          <p:stCondLst>
+                                            <p:cond delay="0"/>
+                                          </p:stCondLst>
+                                        </p:cTn>
+                                        <p:tgtEl>
+                                          <p:spTgt spid="3">
+                                            <p:txEl>
+                                              <p:pRg st="7" end="7"/>
+                                            </p:txEl>
+                                          </p:spTgt>
+                                        </p:tgtEl>
+                                        <p:attrNameLst>
+                                          <p:attrName>style.visibility</p:attrName>
+                                        </p:attrNameLst>
+                                      </p:cBhvr>
+                                      <p:to>
+                                        <p:strVal val="visible"/>
+                                      </p:to>
+                                    </p:set>
+                                    <p:animEffect transition="in" filter="fade">
+                                      <p:cBhvr>
+                                        <p:cTn id="32" dur="500"/>
+                                        <p:tgtEl>
+                                          <p:spTgt spid="3">
+                                            <p:txEl>
+                                              <p:pRg st="7" end="7"/>
+                                            </p:txEl>
+                                          </p:spTgt>
+                                        </p:tgtEl>
+                                      </p:cBhvr>
+                                    </p:animEffect>
+                                  </p:childTnLst>
+                                </p:cTn>
+                              </p:par>
+                            </p:childTnLst>
+                          </p:cTn>
+                        </p:par>
+                      </p:childTnLst>
+                    </p:cTn>
+                  </p:par>
+                </p:childTnLst>
+              </p:cTn>
+              <p:prevCondLst>
+                <p:cond evt="onPrev" delay="0">
+                  <p:tgtEl>
+                    <p:sldTgt/>
+                  </p:tgtEl>
+                </p:cond>
+              </p:prevCondLst>
+              <p:nextCondLst>
+                <p:cond evt="onNext" delay="0">
+                  <p:tgtEl>
+                    <p:sldTgt/>
+                  </p:tgtEl>
+                </p:cond>
+              </p:nextCondLst>
+            </p:seq>
+          </p:childTnLst>
+        </p:cTn>
       </p:par>
     </p:tnLst>
+    <p:bldLst>
+      <p:bldP spid="3" grpId="0" build="p"/>
+    </p:bldLst>
   </p:timing>
 </p:sld>
 </file>

--- a/MDEF02 - Entity Framework 7 Back To The Future.pptx
+++ b/MDEF02 - Entity Framework 7 Back To The Future.pptx
@@ -5,7 +5,7 @@
     <p:sldMasterId id="2147483648" r:id="rId1"/>
   </p:sldMasterIdLst>
   <p:notesMasterIdLst>
-    <p:notesMasterId r:id="rId22"/>
+    <p:notesMasterId r:id="rId24"/>
   </p:notesMasterIdLst>
   <p:sldIdLst>
     <p:sldId id="256" r:id="rId2"/>
@@ -20,14 +20,16 @@
     <p:sldId id="306" r:id="rId11"/>
     <p:sldId id="325" r:id="rId12"/>
     <p:sldId id="308" r:id="rId13"/>
-    <p:sldId id="316" r:id="rId14"/>
-    <p:sldId id="317" r:id="rId15"/>
-    <p:sldId id="318" r:id="rId16"/>
-    <p:sldId id="315" r:id="rId17"/>
-    <p:sldId id="301" r:id="rId18"/>
-    <p:sldId id="320" r:id="rId19"/>
-    <p:sldId id="267" r:id="rId20"/>
-    <p:sldId id="328" r:id="rId21"/>
+    <p:sldId id="329" r:id="rId14"/>
+    <p:sldId id="330" r:id="rId15"/>
+    <p:sldId id="316" r:id="rId16"/>
+    <p:sldId id="317" r:id="rId17"/>
+    <p:sldId id="318" r:id="rId18"/>
+    <p:sldId id="315" r:id="rId19"/>
+    <p:sldId id="301" r:id="rId20"/>
+    <p:sldId id="320" r:id="rId21"/>
+    <p:sldId id="267" r:id="rId22"/>
+    <p:sldId id="328" r:id="rId23"/>
   </p:sldIdLst>
   <p:sldSz cx="9144000" cy="6858000" type="screen4x3"/>
   <p:notesSz cx="6858000" cy="9144000"/>
@@ -230,7 +232,7 @@
           <a:p>
             <a:fld id="{F443D67C-DA02-4461-B7C0-508F5ECD6C41}" type="datetimeFigureOut">
               <a:rPr lang="en-US" smtClean="0"/>
-              <a:t>2/25/2015</a:t>
+              <a:t>2/26/2015</a:t>
             </a:fld>
             <a:endParaRPr lang="en-US" dirty="0"/>
           </a:p>
@@ -1006,6 +1008,190 @@
     <p:extLst>
       <p:ext uri="{BB962C8B-B14F-4D97-AF65-F5344CB8AC3E}">
         <p14:creationId xmlns:p14="http://schemas.microsoft.com/office/powerpoint/2010/main" val="3730198662"/>
+      </p:ext>
+    </p:extLst>
+  </p:cSld>
+  <p:clrMapOvr>
+    <a:masterClrMapping/>
+  </p:clrMapOvr>
+</p:notes>
+</file>
+
+<file path=ppt/notesSlides/notesSlide7.xml><?xml version="1.0" encoding="utf-8"?>
+<p:notes xmlns:a="http://schemas.openxmlformats.org/drawingml/2006/main" xmlns:r="http://schemas.openxmlformats.org/officeDocument/2006/relationships" xmlns:p="http://schemas.openxmlformats.org/presentationml/2006/main">
+  <p:cSld>
+    <p:spTree>
+      <p:nvGrpSpPr>
+        <p:cNvPr id="1" name=""/>
+        <p:cNvGrpSpPr/>
+        <p:nvPr/>
+      </p:nvGrpSpPr>
+      <p:grpSpPr>
+        <a:xfrm>
+          <a:off x="0" y="0"/>
+          <a:ext cx="0" cy="0"/>
+          <a:chOff x="0" y="0"/>
+          <a:chExt cx="0" cy="0"/>
+        </a:xfrm>
+      </p:grpSpPr>
+      <p:sp>
+        <p:nvSpPr>
+          <p:cNvPr id="2" name="Slide Image Placeholder 1"/>
+          <p:cNvSpPr>
+            <a:spLocks noGrp="1" noRot="1" noChangeAspect="1"/>
+          </p:cNvSpPr>
+          <p:nvPr>
+            <p:ph type="sldImg"/>
+          </p:nvPr>
+        </p:nvSpPr>
+        <p:spPr/>
+      </p:sp>
+      <p:sp>
+        <p:nvSpPr>
+          <p:cNvPr id="3" name="Notes Placeholder 2"/>
+          <p:cNvSpPr>
+            <a:spLocks noGrp="1"/>
+          </p:cNvSpPr>
+          <p:nvPr>
+            <p:ph type="body" idx="1"/>
+          </p:nvPr>
+        </p:nvSpPr>
+        <p:spPr/>
+        <p:txBody>
+          <a:bodyPr/>
+          <a:lstStyle/>
+          <a:p>
+            <a:r>
+              <a:rPr lang="it-IT" dirty="0" smtClean="0"/>
+              <a:t>* Se ad</a:t>
+            </a:r>
+            <a:r>
+              <a:rPr lang="it-IT" baseline="0" dirty="0" smtClean="0"/>
+              <a:t> esempio un altro </a:t>
+            </a:r>
+            <a:r>
+              <a:rPr lang="it-IT" baseline="0" dirty="0" err="1" smtClean="0"/>
+              <a:t>dev</a:t>
+            </a:r>
+            <a:r>
+              <a:rPr lang="it-IT" baseline="0" dirty="0" smtClean="0"/>
+              <a:t> ha rinominato la colonna A in B, e tu l’hai rinominata da A in C, dovrai aggiornare la tua migrazione per rinominare B in C.</a:t>
+            </a:r>
+            <a:endParaRPr lang="it-IT" dirty="0"/>
+          </a:p>
+        </p:txBody>
+      </p:sp>
+      <p:sp>
+        <p:nvSpPr>
+          <p:cNvPr id="4" name="Slide Number Placeholder 3"/>
+          <p:cNvSpPr>
+            <a:spLocks noGrp="1"/>
+          </p:cNvSpPr>
+          <p:nvPr>
+            <p:ph type="sldNum" sz="quarter" idx="10"/>
+          </p:nvPr>
+        </p:nvSpPr>
+        <p:spPr/>
+        <p:txBody>
+          <a:bodyPr/>
+          <a:lstStyle/>
+          <a:p>
+            <a:fld id="{315185C3-C6A0-4FBF-9BDE-AD45F5C077D0}" type="slidenum">
+              <a:rPr lang="en-US" smtClean="0"/>
+              <a:t>13</a:t>
+            </a:fld>
+            <a:endParaRPr lang="en-US" dirty="0"/>
+          </a:p>
+        </p:txBody>
+      </p:sp>
+    </p:spTree>
+    <p:extLst>
+      <p:ext uri="{BB962C8B-B14F-4D97-AF65-F5344CB8AC3E}">
+        <p14:creationId xmlns:p14="http://schemas.microsoft.com/office/powerpoint/2010/main" val="632182188"/>
+      </p:ext>
+    </p:extLst>
+  </p:cSld>
+  <p:clrMapOvr>
+    <a:masterClrMapping/>
+  </p:clrMapOvr>
+</p:notes>
+</file>
+
+<file path=ppt/notesSlides/notesSlide8.xml><?xml version="1.0" encoding="utf-8"?>
+<p:notes xmlns:a="http://schemas.openxmlformats.org/drawingml/2006/main" xmlns:r="http://schemas.openxmlformats.org/officeDocument/2006/relationships" xmlns:p="http://schemas.openxmlformats.org/presentationml/2006/main">
+  <p:cSld>
+    <p:spTree>
+      <p:nvGrpSpPr>
+        <p:cNvPr id="1" name=""/>
+        <p:cNvGrpSpPr/>
+        <p:nvPr/>
+      </p:nvGrpSpPr>
+      <p:grpSpPr>
+        <a:xfrm>
+          <a:off x="0" y="0"/>
+          <a:ext cx="0" cy="0"/>
+          <a:chOff x="0" y="0"/>
+          <a:chExt cx="0" cy="0"/>
+        </a:xfrm>
+      </p:grpSpPr>
+      <p:sp>
+        <p:nvSpPr>
+          <p:cNvPr id="2" name="Slide Image Placeholder 1"/>
+          <p:cNvSpPr>
+            <a:spLocks noGrp="1" noRot="1" noChangeAspect="1"/>
+          </p:cNvSpPr>
+          <p:nvPr>
+            <p:ph type="sldImg"/>
+          </p:nvPr>
+        </p:nvSpPr>
+        <p:spPr/>
+      </p:sp>
+      <p:sp>
+        <p:nvSpPr>
+          <p:cNvPr id="3" name="Notes Placeholder 2"/>
+          <p:cNvSpPr>
+            <a:spLocks noGrp="1"/>
+          </p:cNvSpPr>
+          <p:nvPr>
+            <p:ph type="body" idx="1"/>
+          </p:nvPr>
+        </p:nvSpPr>
+        <p:spPr/>
+        <p:txBody>
+          <a:bodyPr/>
+          <a:lstStyle/>
+          <a:p>
+            <a:endParaRPr lang="it-IT" dirty="0"/>
+          </a:p>
+        </p:txBody>
+      </p:sp>
+      <p:sp>
+        <p:nvSpPr>
+          <p:cNvPr id="4" name="Slide Number Placeholder 3"/>
+          <p:cNvSpPr>
+            <a:spLocks noGrp="1"/>
+          </p:cNvSpPr>
+          <p:nvPr>
+            <p:ph type="sldNum" sz="quarter" idx="10"/>
+          </p:nvPr>
+        </p:nvSpPr>
+        <p:spPr/>
+        <p:txBody>
+          <a:bodyPr/>
+          <a:lstStyle/>
+          <a:p>
+            <a:fld id="{315185C3-C6A0-4FBF-9BDE-AD45F5C077D0}" type="slidenum">
+              <a:rPr lang="en-US" smtClean="0"/>
+              <a:t>14</a:t>
+            </a:fld>
+            <a:endParaRPr lang="en-US" dirty="0"/>
+          </a:p>
+        </p:txBody>
+      </p:sp>
+    </p:spTree>
+    <p:extLst>
+      <p:ext uri="{BB962C8B-B14F-4D97-AF65-F5344CB8AC3E}">
+        <p14:creationId xmlns:p14="http://schemas.microsoft.com/office/powerpoint/2010/main" val="1129649248"/>
       </p:ext>
     </p:extLst>
   </p:cSld>
@@ -6527,13 +6713,8 @@
           <a:p>
             <a:r>
               <a:rPr lang="it-IT" sz="3200" noProof="0" dirty="0" smtClean="0"/>
-              <a:t>EF6.x non ha i presupposti per raggiungere </a:t>
-            </a:r>
-            <a:r>
-              <a:rPr lang="it-IT" sz="3200" noProof="0" dirty="0" smtClean="0"/>
-              <a:t>molteplici obiettivi</a:t>
-            </a:r>
-            <a:endParaRPr lang="it-IT" sz="3200" noProof="0" dirty="0" smtClean="0"/>
+              <a:t>EF6.x non ha i presupposti per raggiungere molteplici obiettivi</a:t>
+            </a:r>
           </a:p>
           <a:p>
             <a:r>
@@ -8765,6 +8946,1624 @@
           <a:p>
             <a:r>
               <a:rPr lang="it-IT" noProof="0" dirty="0" smtClean="0"/>
+              <a:t>EF7 Migrations</a:t>
+            </a:r>
+            <a:endParaRPr lang="it-IT" noProof="0" dirty="0"/>
+          </a:p>
+        </p:txBody>
+      </p:sp>
+      <p:sp>
+        <p:nvSpPr>
+          <p:cNvPr id="3" name="Content Placeholder 2"/>
+          <p:cNvSpPr>
+            <a:spLocks noGrp="1"/>
+          </p:cNvSpPr>
+          <p:nvPr>
+            <p:ph idx="4294967295"/>
+          </p:nvPr>
+        </p:nvSpPr>
+        <p:spPr>
+          <a:xfrm>
+            <a:off x="452438" y="1423988"/>
+            <a:ext cx="8242300" cy="4695825"/>
+          </a:xfrm>
+          <a:prstGeom prst="rect">
+            <a:avLst/>
+          </a:prstGeom>
+        </p:spPr>
+        <p:txBody>
+          <a:bodyPr>
+            <a:noAutofit/>
+          </a:bodyPr>
+          <a:lstStyle/>
+          <a:p>
+            <a:r>
+              <a:rPr lang="it-IT" sz="2800" dirty="0" smtClean="0"/>
+              <a:t>Migrazioni abilitate di default</a:t>
+            </a:r>
+            <a:endParaRPr lang="it-IT" sz="1800" dirty="0"/>
+          </a:p>
+          <a:p>
+            <a:pPr lvl="1"/>
+            <a:r>
+              <a:rPr lang="it-IT" sz="1800" dirty="0" err="1" smtClean="0"/>
+              <a:t>Enable</a:t>
+            </a:r>
+            <a:r>
+              <a:rPr lang="it-IT" sz="1800" dirty="0" smtClean="0"/>
+              <a:t>-Migrations è stato rimosso, benvenuto </a:t>
+            </a:r>
+            <a:r>
+              <a:rPr lang="it-IT" sz="1800" b="1" dirty="0" err="1" smtClean="0"/>
+              <a:t>Add</a:t>
+            </a:r>
+            <a:r>
+              <a:rPr lang="it-IT" sz="1800" b="1" dirty="0" smtClean="0"/>
+              <a:t>-Migration</a:t>
+            </a:r>
+          </a:p>
+          <a:p>
+            <a:pPr lvl="1"/>
+            <a:r>
+              <a:rPr lang="it-IT" sz="1800" dirty="0"/>
+              <a:t>Creazione della tabella di migrazione solo su </a:t>
+            </a:r>
+            <a:r>
+              <a:rPr lang="it-IT" sz="1800" dirty="0" err="1"/>
+              <a:t>Apply-Migratio</a:t>
+            </a:r>
+            <a:endParaRPr lang="it-IT" sz="1800" dirty="0" smtClean="0"/>
+          </a:p>
+          <a:p>
+            <a:pPr lvl="1"/>
+            <a:r>
+              <a:rPr lang="it-IT" sz="1800" dirty="0" smtClean="0"/>
+              <a:t>Separabili su più </a:t>
+            </a:r>
+            <a:r>
+              <a:rPr lang="it-IT" sz="1800" dirty="0" err="1" smtClean="0"/>
+              <a:t>namespace</a:t>
+            </a:r>
+            <a:r>
+              <a:rPr lang="it-IT" sz="1800" dirty="0"/>
+              <a:t> </a:t>
+            </a:r>
+            <a:r>
+              <a:rPr lang="it-IT" sz="1800" dirty="0" smtClean="0"/>
+              <a:t>e </a:t>
+            </a:r>
+            <a:r>
+              <a:rPr lang="it-IT" sz="1800" dirty="0" err="1" smtClean="0"/>
+              <a:t>assembly</a:t>
+            </a:r>
+            <a:endParaRPr lang="it-IT" sz="2800" dirty="0" smtClean="0"/>
+          </a:p>
+          <a:p>
+            <a:r>
+              <a:rPr lang="it-IT" sz="2800" dirty="0" smtClean="0"/>
+              <a:t>Merge </a:t>
+            </a:r>
+            <a:r>
+              <a:rPr lang="it-IT" sz="2800" dirty="0" smtClean="0"/>
+              <a:t>conflitti </a:t>
+            </a:r>
+            <a:r>
+              <a:rPr lang="it-IT" sz="2800" dirty="0" err="1" smtClean="0"/>
+              <a:t>snapshot</a:t>
+            </a:r>
+            <a:r>
+              <a:rPr lang="it-IT" sz="2800" dirty="0" smtClean="0"/>
+              <a:t> come qualsiasi altro file</a:t>
+            </a:r>
+          </a:p>
+          <a:p>
+            <a:pPr lvl="1"/>
+            <a:r>
+              <a:rPr lang="it-IT" sz="1800" u="sng" dirty="0" smtClean="0"/>
+              <a:t>Esiste solo un file con l’ultimo </a:t>
+            </a:r>
+            <a:r>
+              <a:rPr lang="it-IT" sz="1800" u="sng" dirty="0" err="1" smtClean="0"/>
+              <a:t>snapshot</a:t>
+            </a:r>
+            <a:endParaRPr lang="it-IT" sz="1800" u="sng" dirty="0" smtClean="0"/>
+          </a:p>
+          <a:p>
+            <a:pPr lvl="1"/>
+            <a:r>
+              <a:rPr lang="it-IT" sz="1800" dirty="0" smtClean="0"/>
+              <a:t>Su conflitto è comunque probabile che i file di migrazione debbano essere modificati manualmente</a:t>
+            </a:r>
+            <a:r>
+              <a:rPr lang="it-IT" sz="1800" dirty="0" smtClean="0"/>
+              <a:t>*</a:t>
+            </a:r>
+          </a:p>
+          <a:p>
+            <a:pPr lvl="1"/>
+            <a:r>
+              <a:rPr lang="it-IT" sz="1800" dirty="0" smtClean="0"/>
+              <a:t>Indispensabile per lavorare in team</a:t>
+            </a:r>
+            <a:endParaRPr lang="it-IT" sz="2800" dirty="0" smtClean="0"/>
+          </a:p>
+          <a:p>
+            <a:r>
+              <a:rPr lang="it-IT" sz="2800" dirty="0" err="1" smtClean="0"/>
+              <a:t>Remove</a:t>
+            </a:r>
+            <a:r>
+              <a:rPr lang="it-IT" sz="2800" dirty="0" smtClean="0"/>
+              <a:t>-Migration</a:t>
+            </a:r>
+          </a:p>
+          <a:p>
+            <a:pPr lvl="1"/>
+            <a:r>
+              <a:rPr lang="it-IT" sz="1800" dirty="0" smtClean="0"/>
+              <a:t>Cancellare i file di migrazione non basta più, lo </a:t>
+            </a:r>
+            <a:r>
+              <a:rPr lang="it-IT" sz="1800" dirty="0" err="1" smtClean="0"/>
+              <a:t>snapshot</a:t>
+            </a:r>
+            <a:r>
+              <a:rPr lang="it-IT" sz="1800" dirty="0" smtClean="0"/>
+              <a:t> va aggiornato</a:t>
+            </a:r>
+            <a:r>
+              <a:rPr lang="it-IT" sz="1800" dirty="0" smtClean="0"/>
+              <a:t>!</a:t>
+            </a:r>
+            <a:endParaRPr lang="it-IT" sz="1800" dirty="0"/>
+          </a:p>
+          <a:p>
+            <a:r>
+              <a:rPr lang="it-IT" sz="2800" dirty="0" smtClean="0"/>
+              <a:t>Niente più «</a:t>
+            </a:r>
+            <a:r>
+              <a:rPr lang="it-IT" sz="2800" dirty="0" err="1" smtClean="0"/>
+              <a:t>Automatic</a:t>
+            </a:r>
+            <a:r>
+              <a:rPr lang="it-IT" sz="2800" dirty="0" smtClean="0"/>
+              <a:t> Migrations»</a:t>
+            </a:r>
+            <a:endParaRPr lang="it-IT" sz="2800" dirty="0" smtClean="0"/>
+          </a:p>
+        </p:txBody>
+      </p:sp>
+    </p:spTree>
+    <p:extLst>
+      <p:ext uri="{BB962C8B-B14F-4D97-AF65-F5344CB8AC3E}">
+        <p14:creationId xmlns:p14="http://schemas.microsoft.com/office/powerpoint/2010/main" val="4210614716"/>
+      </p:ext>
+    </p:extLst>
+  </p:cSld>
+  <p:clrMapOvr>
+    <a:masterClrMapping/>
+  </p:clrMapOvr>
+  <p:timing>
+    <p:tnLst>
+      <p:par>
+        <p:cTn id="1" dur="indefinite" restart="never" nodeType="tmRoot">
+          <p:childTnLst>
+            <p:seq concurrent="1" nextAc="seek">
+              <p:cTn id="2" dur="indefinite" nodeType="mainSeq">
+                <p:childTnLst>
+                  <p:par>
+                    <p:cTn id="3" fill="hold">
+                      <p:stCondLst>
+                        <p:cond delay="indefinite"/>
+                      </p:stCondLst>
+                      <p:childTnLst>
+                        <p:par>
+                          <p:cTn id="4" fill="hold">
+                            <p:stCondLst>
+                              <p:cond delay="0"/>
+                            </p:stCondLst>
+                            <p:childTnLst>
+                              <p:par>
+                                <p:cTn id="5" presetID="10" presetClass="entr" presetSubtype="0" fill="hold" grpId="0" nodeType="clickEffect">
+                                  <p:stCondLst>
+                                    <p:cond delay="0"/>
+                                  </p:stCondLst>
+                                  <p:childTnLst>
+                                    <p:set>
+                                      <p:cBhvr>
+                                        <p:cTn id="6" dur="1" fill="hold">
+                                          <p:stCondLst>
+                                            <p:cond delay="0"/>
+                                          </p:stCondLst>
+                                        </p:cTn>
+                                        <p:tgtEl>
+                                          <p:spTgt spid="3">
+                                            <p:txEl>
+                                              <p:pRg st="0" end="0"/>
+                                            </p:txEl>
+                                          </p:spTgt>
+                                        </p:tgtEl>
+                                        <p:attrNameLst>
+                                          <p:attrName>style.visibility</p:attrName>
+                                        </p:attrNameLst>
+                                      </p:cBhvr>
+                                      <p:to>
+                                        <p:strVal val="visible"/>
+                                      </p:to>
+                                    </p:set>
+                                    <p:animEffect transition="in" filter="fade">
+                                      <p:cBhvr>
+                                        <p:cTn id="7" dur="500"/>
+                                        <p:tgtEl>
+                                          <p:spTgt spid="3">
+                                            <p:txEl>
+                                              <p:pRg st="0" end="0"/>
+                                            </p:txEl>
+                                          </p:spTgt>
+                                        </p:tgtEl>
+                                      </p:cBhvr>
+                                    </p:animEffect>
+                                  </p:childTnLst>
+                                </p:cTn>
+                              </p:par>
+                              <p:par>
+                                <p:cTn id="8" presetID="10" presetClass="entr" presetSubtype="0" fill="hold" grpId="0" nodeType="withEffect">
+                                  <p:stCondLst>
+                                    <p:cond delay="0"/>
+                                  </p:stCondLst>
+                                  <p:childTnLst>
+                                    <p:set>
+                                      <p:cBhvr>
+                                        <p:cTn id="9" dur="1" fill="hold">
+                                          <p:stCondLst>
+                                            <p:cond delay="0"/>
+                                          </p:stCondLst>
+                                        </p:cTn>
+                                        <p:tgtEl>
+                                          <p:spTgt spid="3">
+                                            <p:txEl>
+                                              <p:pRg st="1" end="1"/>
+                                            </p:txEl>
+                                          </p:spTgt>
+                                        </p:tgtEl>
+                                        <p:attrNameLst>
+                                          <p:attrName>style.visibility</p:attrName>
+                                        </p:attrNameLst>
+                                      </p:cBhvr>
+                                      <p:to>
+                                        <p:strVal val="visible"/>
+                                      </p:to>
+                                    </p:set>
+                                    <p:animEffect transition="in" filter="fade">
+                                      <p:cBhvr>
+                                        <p:cTn id="10" dur="500"/>
+                                        <p:tgtEl>
+                                          <p:spTgt spid="3">
+                                            <p:txEl>
+                                              <p:pRg st="1" end="1"/>
+                                            </p:txEl>
+                                          </p:spTgt>
+                                        </p:tgtEl>
+                                      </p:cBhvr>
+                                    </p:animEffect>
+                                  </p:childTnLst>
+                                </p:cTn>
+                              </p:par>
+                              <p:par>
+                                <p:cTn id="11" presetID="10" presetClass="entr" presetSubtype="0" fill="hold" grpId="0" nodeType="withEffect">
+                                  <p:stCondLst>
+                                    <p:cond delay="0"/>
+                                  </p:stCondLst>
+                                  <p:childTnLst>
+                                    <p:set>
+                                      <p:cBhvr>
+                                        <p:cTn id="12" dur="1" fill="hold">
+                                          <p:stCondLst>
+                                            <p:cond delay="0"/>
+                                          </p:stCondLst>
+                                        </p:cTn>
+                                        <p:tgtEl>
+                                          <p:spTgt spid="3">
+                                            <p:txEl>
+                                              <p:pRg st="2" end="2"/>
+                                            </p:txEl>
+                                          </p:spTgt>
+                                        </p:tgtEl>
+                                        <p:attrNameLst>
+                                          <p:attrName>style.visibility</p:attrName>
+                                        </p:attrNameLst>
+                                      </p:cBhvr>
+                                      <p:to>
+                                        <p:strVal val="visible"/>
+                                      </p:to>
+                                    </p:set>
+                                    <p:animEffect transition="in" filter="fade">
+                                      <p:cBhvr>
+                                        <p:cTn id="13" dur="500"/>
+                                        <p:tgtEl>
+                                          <p:spTgt spid="3">
+                                            <p:txEl>
+                                              <p:pRg st="2" end="2"/>
+                                            </p:txEl>
+                                          </p:spTgt>
+                                        </p:tgtEl>
+                                      </p:cBhvr>
+                                    </p:animEffect>
+                                  </p:childTnLst>
+                                </p:cTn>
+                              </p:par>
+                              <p:par>
+                                <p:cTn id="14" presetID="10" presetClass="entr" presetSubtype="0" fill="hold" grpId="0" nodeType="withEffect">
+                                  <p:stCondLst>
+                                    <p:cond delay="0"/>
+                                  </p:stCondLst>
+                                  <p:childTnLst>
+                                    <p:set>
+                                      <p:cBhvr>
+                                        <p:cTn id="15" dur="1" fill="hold">
+                                          <p:stCondLst>
+                                            <p:cond delay="0"/>
+                                          </p:stCondLst>
+                                        </p:cTn>
+                                        <p:tgtEl>
+                                          <p:spTgt spid="3">
+                                            <p:txEl>
+                                              <p:pRg st="3" end="3"/>
+                                            </p:txEl>
+                                          </p:spTgt>
+                                        </p:tgtEl>
+                                        <p:attrNameLst>
+                                          <p:attrName>style.visibility</p:attrName>
+                                        </p:attrNameLst>
+                                      </p:cBhvr>
+                                      <p:to>
+                                        <p:strVal val="visible"/>
+                                      </p:to>
+                                    </p:set>
+                                    <p:animEffect transition="in" filter="fade">
+                                      <p:cBhvr>
+                                        <p:cTn id="16" dur="500"/>
+                                        <p:tgtEl>
+                                          <p:spTgt spid="3">
+                                            <p:txEl>
+                                              <p:pRg st="3" end="3"/>
+                                            </p:txEl>
+                                          </p:spTgt>
+                                        </p:tgtEl>
+                                      </p:cBhvr>
+                                    </p:animEffect>
+                                  </p:childTnLst>
+                                </p:cTn>
+                              </p:par>
+                            </p:childTnLst>
+                          </p:cTn>
+                        </p:par>
+                      </p:childTnLst>
+                    </p:cTn>
+                  </p:par>
+                  <p:par>
+                    <p:cTn id="17" fill="hold">
+                      <p:stCondLst>
+                        <p:cond delay="indefinite"/>
+                      </p:stCondLst>
+                      <p:childTnLst>
+                        <p:par>
+                          <p:cTn id="18" fill="hold">
+                            <p:stCondLst>
+                              <p:cond delay="0"/>
+                            </p:stCondLst>
+                            <p:childTnLst>
+                              <p:par>
+                                <p:cTn id="19" presetID="10" presetClass="entr" presetSubtype="0" fill="hold" grpId="0" nodeType="clickEffect">
+                                  <p:stCondLst>
+                                    <p:cond delay="0"/>
+                                  </p:stCondLst>
+                                  <p:childTnLst>
+                                    <p:set>
+                                      <p:cBhvr>
+                                        <p:cTn id="20" dur="1" fill="hold">
+                                          <p:stCondLst>
+                                            <p:cond delay="0"/>
+                                          </p:stCondLst>
+                                        </p:cTn>
+                                        <p:tgtEl>
+                                          <p:spTgt spid="3">
+                                            <p:txEl>
+                                              <p:pRg st="4" end="4"/>
+                                            </p:txEl>
+                                          </p:spTgt>
+                                        </p:tgtEl>
+                                        <p:attrNameLst>
+                                          <p:attrName>style.visibility</p:attrName>
+                                        </p:attrNameLst>
+                                      </p:cBhvr>
+                                      <p:to>
+                                        <p:strVal val="visible"/>
+                                      </p:to>
+                                    </p:set>
+                                    <p:animEffect transition="in" filter="fade">
+                                      <p:cBhvr>
+                                        <p:cTn id="21" dur="500"/>
+                                        <p:tgtEl>
+                                          <p:spTgt spid="3">
+                                            <p:txEl>
+                                              <p:pRg st="4" end="4"/>
+                                            </p:txEl>
+                                          </p:spTgt>
+                                        </p:tgtEl>
+                                      </p:cBhvr>
+                                    </p:animEffect>
+                                  </p:childTnLst>
+                                </p:cTn>
+                              </p:par>
+                              <p:par>
+                                <p:cTn id="22" presetID="10" presetClass="entr" presetSubtype="0" fill="hold" grpId="0" nodeType="withEffect">
+                                  <p:stCondLst>
+                                    <p:cond delay="0"/>
+                                  </p:stCondLst>
+                                  <p:childTnLst>
+                                    <p:set>
+                                      <p:cBhvr>
+                                        <p:cTn id="23" dur="1" fill="hold">
+                                          <p:stCondLst>
+                                            <p:cond delay="0"/>
+                                          </p:stCondLst>
+                                        </p:cTn>
+                                        <p:tgtEl>
+                                          <p:spTgt spid="3">
+                                            <p:txEl>
+                                              <p:pRg st="5" end="5"/>
+                                            </p:txEl>
+                                          </p:spTgt>
+                                        </p:tgtEl>
+                                        <p:attrNameLst>
+                                          <p:attrName>style.visibility</p:attrName>
+                                        </p:attrNameLst>
+                                      </p:cBhvr>
+                                      <p:to>
+                                        <p:strVal val="visible"/>
+                                      </p:to>
+                                    </p:set>
+                                    <p:animEffect transition="in" filter="fade">
+                                      <p:cBhvr>
+                                        <p:cTn id="24" dur="500"/>
+                                        <p:tgtEl>
+                                          <p:spTgt spid="3">
+                                            <p:txEl>
+                                              <p:pRg st="5" end="5"/>
+                                            </p:txEl>
+                                          </p:spTgt>
+                                        </p:tgtEl>
+                                      </p:cBhvr>
+                                    </p:animEffect>
+                                  </p:childTnLst>
+                                </p:cTn>
+                              </p:par>
+                              <p:par>
+                                <p:cTn id="25" presetID="10" presetClass="entr" presetSubtype="0" fill="hold" grpId="0" nodeType="withEffect">
+                                  <p:stCondLst>
+                                    <p:cond delay="0"/>
+                                  </p:stCondLst>
+                                  <p:childTnLst>
+                                    <p:set>
+                                      <p:cBhvr>
+                                        <p:cTn id="26" dur="1" fill="hold">
+                                          <p:stCondLst>
+                                            <p:cond delay="0"/>
+                                          </p:stCondLst>
+                                        </p:cTn>
+                                        <p:tgtEl>
+                                          <p:spTgt spid="3">
+                                            <p:txEl>
+                                              <p:pRg st="6" end="6"/>
+                                            </p:txEl>
+                                          </p:spTgt>
+                                        </p:tgtEl>
+                                        <p:attrNameLst>
+                                          <p:attrName>style.visibility</p:attrName>
+                                        </p:attrNameLst>
+                                      </p:cBhvr>
+                                      <p:to>
+                                        <p:strVal val="visible"/>
+                                      </p:to>
+                                    </p:set>
+                                    <p:animEffect transition="in" filter="fade">
+                                      <p:cBhvr>
+                                        <p:cTn id="27" dur="500"/>
+                                        <p:tgtEl>
+                                          <p:spTgt spid="3">
+                                            <p:txEl>
+                                              <p:pRg st="6" end="6"/>
+                                            </p:txEl>
+                                          </p:spTgt>
+                                        </p:tgtEl>
+                                      </p:cBhvr>
+                                    </p:animEffect>
+                                  </p:childTnLst>
+                                </p:cTn>
+                              </p:par>
+                              <p:par>
+                                <p:cTn id="28" presetID="10" presetClass="entr" presetSubtype="0" fill="hold" grpId="0" nodeType="withEffect">
+                                  <p:stCondLst>
+                                    <p:cond delay="0"/>
+                                  </p:stCondLst>
+                                  <p:childTnLst>
+                                    <p:set>
+                                      <p:cBhvr>
+                                        <p:cTn id="29" dur="1" fill="hold">
+                                          <p:stCondLst>
+                                            <p:cond delay="0"/>
+                                          </p:stCondLst>
+                                        </p:cTn>
+                                        <p:tgtEl>
+                                          <p:spTgt spid="3">
+                                            <p:txEl>
+                                              <p:pRg st="7" end="7"/>
+                                            </p:txEl>
+                                          </p:spTgt>
+                                        </p:tgtEl>
+                                        <p:attrNameLst>
+                                          <p:attrName>style.visibility</p:attrName>
+                                        </p:attrNameLst>
+                                      </p:cBhvr>
+                                      <p:to>
+                                        <p:strVal val="visible"/>
+                                      </p:to>
+                                    </p:set>
+                                    <p:animEffect transition="in" filter="fade">
+                                      <p:cBhvr>
+                                        <p:cTn id="30" dur="500"/>
+                                        <p:tgtEl>
+                                          <p:spTgt spid="3">
+                                            <p:txEl>
+                                              <p:pRg st="7" end="7"/>
+                                            </p:txEl>
+                                          </p:spTgt>
+                                        </p:tgtEl>
+                                      </p:cBhvr>
+                                    </p:animEffect>
+                                  </p:childTnLst>
+                                </p:cTn>
+                              </p:par>
+                            </p:childTnLst>
+                          </p:cTn>
+                        </p:par>
+                      </p:childTnLst>
+                    </p:cTn>
+                  </p:par>
+                  <p:par>
+                    <p:cTn id="31" fill="hold">
+                      <p:stCondLst>
+                        <p:cond delay="indefinite"/>
+                      </p:stCondLst>
+                      <p:childTnLst>
+                        <p:par>
+                          <p:cTn id="32" fill="hold">
+                            <p:stCondLst>
+                              <p:cond delay="0"/>
+                            </p:stCondLst>
+                            <p:childTnLst>
+                              <p:par>
+                                <p:cTn id="33" presetID="10" presetClass="entr" presetSubtype="0" fill="hold" grpId="0" nodeType="clickEffect">
+                                  <p:stCondLst>
+                                    <p:cond delay="0"/>
+                                  </p:stCondLst>
+                                  <p:childTnLst>
+                                    <p:set>
+                                      <p:cBhvr>
+                                        <p:cTn id="34" dur="1" fill="hold">
+                                          <p:stCondLst>
+                                            <p:cond delay="0"/>
+                                          </p:stCondLst>
+                                        </p:cTn>
+                                        <p:tgtEl>
+                                          <p:spTgt spid="3">
+                                            <p:txEl>
+                                              <p:pRg st="8" end="8"/>
+                                            </p:txEl>
+                                          </p:spTgt>
+                                        </p:tgtEl>
+                                        <p:attrNameLst>
+                                          <p:attrName>style.visibility</p:attrName>
+                                        </p:attrNameLst>
+                                      </p:cBhvr>
+                                      <p:to>
+                                        <p:strVal val="visible"/>
+                                      </p:to>
+                                    </p:set>
+                                    <p:animEffect transition="in" filter="fade">
+                                      <p:cBhvr>
+                                        <p:cTn id="35" dur="500"/>
+                                        <p:tgtEl>
+                                          <p:spTgt spid="3">
+                                            <p:txEl>
+                                              <p:pRg st="8" end="8"/>
+                                            </p:txEl>
+                                          </p:spTgt>
+                                        </p:tgtEl>
+                                      </p:cBhvr>
+                                    </p:animEffect>
+                                  </p:childTnLst>
+                                </p:cTn>
+                              </p:par>
+                              <p:par>
+                                <p:cTn id="36" presetID="10" presetClass="entr" presetSubtype="0" fill="hold" grpId="0" nodeType="withEffect">
+                                  <p:stCondLst>
+                                    <p:cond delay="0"/>
+                                  </p:stCondLst>
+                                  <p:childTnLst>
+                                    <p:set>
+                                      <p:cBhvr>
+                                        <p:cTn id="37" dur="1" fill="hold">
+                                          <p:stCondLst>
+                                            <p:cond delay="0"/>
+                                          </p:stCondLst>
+                                        </p:cTn>
+                                        <p:tgtEl>
+                                          <p:spTgt spid="3">
+                                            <p:txEl>
+                                              <p:pRg st="9" end="9"/>
+                                            </p:txEl>
+                                          </p:spTgt>
+                                        </p:tgtEl>
+                                        <p:attrNameLst>
+                                          <p:attrName>style.visibility</p:attrName>
+                                        </p:attrNameLst>
+                                      </p:cBhvr>
+                                      <p:to>
+                                        <p:strVal val="visible"/>
+                                      </p:to>
+                                    </p:set>
+                                    <p:animEffect transition="in" filter="fade">
+                                      <p:cBhvr>
+                                        <p:cTn id="38" dur="500"/>
+                                        <p:tgtEl>
+                                          <p:spTgt spid="3">
+                                            <p:txEl>
+                                              <p:pRg st="9" end="9"/>
+                                            </p:txEl>
+                                          </p:spTgt>
+                                        </p:tgtEl>
+                                      </p:cBhvr>
+                                    </p:animEffect>
+                                  </p:childTnLst>
+                                </p:cTn>
+                              </p:par>
+                            </p:childTnLst>
+                          </p:cTn>
+                        </p:par>
+                      </p:childTnLst>
+                    </p:cTn>
+                  </p:par>
+                  <p:par>
+                    <p:cTn id="39" fill="hold">
+                      <p:stCondLst>
+                        <p:cond delay="indefinite"/>
+                      </p:stCondLst>
+                      <p:childTnLst>
+                        <p:par>
+                          <p:cTn id="40" fill="hold">
+                            <p:stCondLst>
+                              <p:cond delay="0"/>
+                            </p:stCondLst>
+                            <p:childTnLst>
+                              <p:par>
+                                <p:cTn id="41" presetID="10" presetClass="entr" presetSubtype="0" fill="hold" grpId="0" nodeType="clickEffect">
+                                  <p:stCondLst>
+                                    <p:cond delay="0"/>
+                                  </p:stCondLst>
+                                  <p:childTnLst>
+                                    <p:set>
+                                      <p:cBhvr>
+                                        <p:cTn id="42" dur="1" fill="hold">
+                                          <p:stCondLst>
+                                            <p:cond delay="0"/>
+                                          </p:stCondLst>
+                                        </p:cTn>
+                                        <p:tgtEl>
+                                          <p:spTgt spid="3">
+                                            <p:txEl>
+                                              <p:pRg st="10" end="10"/>
+                                            </p:txEl>
+                                          </p:spTgt>
+                                        </p:tgtEl>
+                                        <p:attrNameLst>
+                                          <p:attrName>style.visibility</p:attrName>
+                                        </p:attrNameLst>
+                                      </p:cBhvr>
+                                      <p:to>
+                                        <p:strVal val="visible"/>
+                                      </p:to>
+                                    </p:set>
+                                    <p:animEffect transition="in" filter="fade">
+                                      <p:cBhvr>
+                                        <p:cTn id="43" dur="500"/>
+                                        <p:tgtEl>
+                                          <p:spTgt spid="3">
+                                            <p:txEl>
+                                              <p:pRg st="10" end="10"/>
+                                            </p:txEl>
+                                          </p:spTgt>
+                                        </p:tgtEl>
+                                      </p:cBhvr>
+                                    </p:animEffect>
+                                  </p:childTnLst>
+                                </p:cTn>
+                              </p:par>
+                            </p:childTnLst>
+                          </p:cTn>
+                        </p:par>
+                      </p:childTnLst>
+                    </p:cTn>
+                  </p:par>
+                </p:childTnLst>
+              </p:cTn>
+              <p:prevCondLst>
+                <p:cond evt="onPrev" delay="0">
+                  <p:tgtEl>
+                    <p:sldTgt/>
+                  </p:tgtEl>
+                </p:cond>
+              </p:prevCondLst>
+              <p:nextCondLst>
+                <p:cond evt="onNext" delay="0">
+                  <p:tgtEl>
+                    <p:sldTgt/>
+                  </p:tgtEl>
+                </p:cond>
+              </p:nextCondLst>
+            </p:seq>
+          </p:childTnLst>
+        </p:cTn>
+      </p:par>
+    </p:tnLst>
+    <p:bldLst>
+      <p:bldP spid="3" grpId="0" build="p"/>
+    </p:bldLst>
+  </p:timing>
+</p:sld>
+</file>
+
+<file path=ppt/slides/slide14.xml><?xml version="1.0" encoding="utf-8"?>
+<p:sld xmlns:a="http://schemas.openxmlformats.org/drawingml/2006/main" xmlns:r="http://schemas.openxmlformats.org/officeDocument/2006/relationships" xmlns:p="http://schemas.openxmlformats.org/presentationml/2006/main">
+  <p:cSld>
+    <p:spTree>
+      <p:nvGrpSpPr>
+        <p:cNvPr id="1" name=""/>
+        <p:cNvGrpSpPr/>
+        <p:nvPr/>
+      </p:nvGrpSpPr>
+      <p:grpSpPr>
+        <a:xfrm>
+          <a:off x="0" y="0"/>
+          <a:ext cx="0" cy="0"/>
+          <a:chOff x="0" y="0"/>
+          <a:chExt cx="0" cy="0"/>
+        </a:xfrm>
+      </p:grpSpPr>
+      <p:sp>
+        <p:nvSpPr>
+          <p:cNvPr id="2" name="Title 1"/>
+          <p:cNvSpPr>
+            <a:spLocks noGrp="1"/>
+          </p:cNvSpPr>
+          <p:nvPr>
+            <p:ph type="title"/>
+          </p:nvPr>
+        </p:nvSpPr>
+        <p:spPr/>
+        <p:txBody>
+          <a:bodyPr/>
+          <a:lstStyle/>
+          <a:p>
+            <a:r>
+              <a:rPr lang="it-IT" noProof="0" dirty="0" smtClean="0"/>
+              <a:t>Niente più </a:t>
+            </a:r>
+            <a:r>
+              <a:rPr lang="it-IT" noProof="0" dirty="0" err="1" smtClean="0"/>
+              <a:t>Automatic</a:t>
+            </a:r>
+            <a:r>
+              <a:rPr lang="it-IT" noProof="0" dirty="0" smtClean="0"/>
+              <a:t> Migrations?!?!</a:t>
+            </a:r>
+            <a:endParaRPr lang="it-IT" noProof="0" dirty="0"/>
+          </a:p>
+        </p:txBody>
+      </p:sp>
+      <p:sp>
+        <p:nvSpPr>
+          <p:cNvPr id="3" name="Content Placeholder 2"/>
+          <p:cNvSpPr>
+            <a:spLocks noGrp="1"/>
+          </p:cNvSpPr>
+          <p:nvPr>
+            <p:ph idx="4294967295"/>
+          </p:nvPr>
+        </p:nvSpPr>
+        <p:spPr>
+          <a:xfrm>
+            <a:off x="452438" y="1423988"/>
+            <a:ext cx="8242300" cy="4695825"/>
+          </a:xfrm>
+          <a:prstGeom prst="rect">
+            <a:avLst/>
+          </a:prstGeom>
+        </p:spPr>
+        <p:txBody>
+          <a:bodyPr>
+            <a:noAutofit/>
+          </a:bodyPr>
+          <a:lstStyle/>
+          <a:p>
+            <a:r>
+              <a:rPr lang="it-IT" sz="2800" dirty="0" smtClean="0"/>
+              <a:t>Ma perché</a:t>
+            </a:r>
+            <a:r>
+              <a:rPr lang="it-IT" sz="2800" dirty="0"/>
+              <a:t>?</a:t>
+            </a:r>
+            <a:endParaRPr lang="it-IT" sz="2800" dirty="0" smtClean="0"/>
+          </a:p>
+          <a:p>
+            <a:pPr lvl="1"/>
+            <a:r>
+              <a:rPr lang="it-IT" sz="2000" dirty="0" smtClean="0"/>
+              <a:t>Niente più </a:t>
+            </a:r>
+            <a:r>
+              <a:rPr lang="it-IT" sz="2000" dirty="0" err="1" smtClean="0"/>
+              <a:t>snapshot</a:t>
+            </a:r>
+            <a:r>
+              <a:rPr lang="it-IT" sz="2000" dirty="0" smtClean="0"/>
+              <a:t> del modello sul </a:t>
+            </a:r>
+            <a:r>
+              <a:rPr lang="it-IT" sz="2000" dirty="0" err="1" smtClean="0"/>
+              <a:t>db</a:t>
+            </a:r>
+            <a:endParaRPr lang="it-IT" sz="2000" dirty="0" smtClean="0"/>
+          </a:p>
+          <a:p>
+            <a:pPr lvl="1"/>
+            <a:r>
+              <a:rPr lang="it-IT" sz="2000" dirty="0" smtClean="0"/>
+              <a:t>Nessuna query a </a:t>
+            </a:r>
+            <a:r>
+              <a:rPr lang="it-IT" sz="2000" dirty="0" err="1" smtClean="0"/>
+              <a:t>db</a:t>
+            </a:r>
+            <a:r>
+              <a:rPr lang="it-IT" sz="2000" dirty="0" smtClean="0"/>
+              <a:t> durante </a:t>
+            </a:r>
+            <a:r>
+              <a:rPr lang="it-IT" sz="2000" dirty="0" err="1" smtClean="0"/>
+              <a:t>Add</a:t>
+            </a:r>
+            <a:r>
+              <a:rPr lang="it-IT" sz="2000" dirty="0" smtClean="0"/>
+              <a:t>-Migration</a:t>
+            </a:r>
+          </a:p>
+          <a:p>
+            <a:pPr lvl="1"/>
+            <a:r>
+              <a:rPr lang="it-IT" sz="2000" dirty="0" smtClean="0"/>
+              <a:t>Permette </a:t>
+            </a:r>
+            <a:r>
+              <a:rPr lang="it-IT" sz="2000" dirty="0" err="1" smtClean="0"/>
+              <a:t>Add</a:t>
+            </a:r>
+            <a:r>
+              <a:rPr lang="it-IT" sz="2000" dirty="0" smtClean="0"/>
+              <a:t>-Migration senza prima dovere applicare l’ultima migrazione</a:t>
+            </a:r>
+          </a:p>
+          <a:p>
+            <a:pPr lvl="1"/>
+            <a:r>
+              <a:rPr lang="it-IT" sz="2000" dirty="0" smtClean="0"/>
+              <a:t>Evita il salvataggio dello </a:t>
+            </a:r>
+            <a:r>
+              <a:rPr lang="it-IT" sz="2000" dirty="0" err="1" smtClean="0"/>
+              <a:t>snapshot</a:t>
+            </a:r>
+            <a:r>
+              <a:rPr lang="it-IT" sz="2000" dirty="0" smtClean="0"/>
+              <a:t> del modello sorgente nelle migrazioni</a:t>
+            </a:r>
+          </a:p>
+          <a:p>
+            <a:r>
+              <a:rPr lang="it-IT" sz="2800" dirty="0" smtClean="0"/>
+              <a:t>Provare per credere:</a:t>
+            </a:r>
+          </a:p>
+        </p:txBody>
+      </p:sp>
+      <p:sp>
+        <p:nvSpPr>
+          <p:cNvPr id="6" name="Rectangle 5"/>
+          <p:cNvSpPr/>
+          <p:nvPr/>
+        </p:nvSpPr>
+        <p:spPr>
+          <a:xfrm>
+            <a:off x="1685925" y="4482700"/>
+            <a:ext cx="5772150" cy="1569660"/>
+          </a:xfrm>
+          <a:prstGeom prst="rect">
+            <a:avLst/>
+          </a:prstGeom>
+        </p:spPr>
+        <p:txBody>
+          <a:bodyPr wrap="square">
+            <a:spAutoFit/>
+          </a:bodyPr>
+          <a:lstStyle/>
+          <a:p>
+            <a:r>
+              <a:rPr lang="it-IT" sz="1600" dirty="0" err="1" smtClean="0">
+                <a:solidFill>
+                  <a:srgbClr val="0000FF"/>
+                </a:solidFill>
+                <a:latin typeface="Lucida Console" panose="020B0609040504020204" pitchFamily="49" charset="0"/>
+              </a:rPr>
+              <a:t>Add</a:t>
+            </a:r>
+            <a:r>
+              <a:rPr lang="it-IT" sz="1600" dirty="0" smtClean="0">
+                <a:solidFill>
+                  <a:srgbClr val="0000FF"/>
+                </a:solidFill>
+                <a:latin typeface="Lucida Console" panose="020B0609040504020204" pitchFamily="49" charset="0"/>
+              </a:rPr>
+              <a:t>-Migration</a:t>
+            </a:r>
+            <a:r>
+              <a:rPr lang="it-IT" sz="1600" dirty="0" smtClean="0">
+                <a:solidFill>
+                  <a:prstClr val="black"/>
+                </a:solidFill>
+                <a:latin typeface="Lucida Console" panose="020B0609040504020204" pitchFamily="49" charset="0"/>
+              </a:rPr>
+              <a:t> </a:t>
+            </a:r>
+            <a:r>
+              <a:rPr lang="it-IT" sz="1600" dirty="0">
+                <a:solidFill>
+                  <a:srgbClr val="8A2BE2"/>
+                </a:solidFill>
+                <a:latin typeface="Lucida Console" panose="020B0609040504020204" pitchFamily="49" charset="0"/>
+              </a:rPr>
+              <a:t>M1</a:t>
+            </a:r>
+            <a:endParaRPr lang="it-IT" sz="1600" dirty="0">
+              <a:solidFill>
+                <a:prstClr val="black"/>
+              </a:solidFill>
+              <a:latin typeface="Lucida Console" panose="020B0609040504020204" pitchFamily="49" charset="0"/>
+            </a:endParaRPr>
+          </a:p>
+          <a:p>
+            <a:r>
+              <a:rPr lang="it-IT" sz="1600" dirty="0">
+                <a:solidFill>
+                  <a:srgbClr val="006400"/>
+                </a:solidFill>
+                <a:latin typeface="Lucida Console" panose="020B0609040504020204" pitchFamily="49" charset="0"/>
+              </a:rPr>
+              <a:t># (cambiare il modello)</a:t>
+            </a:r>
+            <a:endParaRPr lang="it-IT" sz="1600" dirty="0">
+              <a:solidFill>
+                <a:prstClr val="black"/>
+              </a:solidFill>
+              <a:latin typeface="Lucida Console" panose="020B0609040504020204" pitchFamily="49" charset="0"/>
+            </a:endParaRPr>
+          </a:p>
+          <a:p>
+            <a:r>
+              <a:rPr lang="it-IT" sz="1600" dirty="0" err="1">
+                <a:solidFill>
+                  <a:srgbClr val="0000FF"/>
+                </a:solidFill>
+                <a:latin typeface="Lucida Console" panose="020B0609040504020204" pitchFamily="49" charset="0"/>
+              </a:rPr>
+              <a:t>Add</a:t>
+            </a:r>
+            <a:r>
+              <a:rPr lang="it-IT" sz="1600" dirty="0">
+                <a:solidFill>
+                  <a:srgbClr val="0000FF"/>
+                </a:solidFill>
+                <a:latin typeface="Lucida Console" panose="020B0609040504020204" pitchFamily="49" charset="0"/>
+              </a:rPr>
+              <a:t>-Migration</a:t>
+            </a:r>
+            <a:r>
+              <a:rPr lang="it-IT" sz="1600" dirty="0">
+                <a:solidFill>
+                  <a:prstClr val="black"/>
+                </a:solidFill>
+                <a:latin typeface="Lucida Console" panose="020B0609040504020204" pitchFamily="49" charset="0"/>
+              </a:rPr>
+              <a:t> </a:t>
+            </a:r>
+            <a:r>
+              <a:rPr lang="it-IT" sz="1600" dirty="0">
+                <a:solidFill>
+                  <a:srgbClr val="8A2BE2"/>
+                </a:solidFill>
+                <a:latin typeface="Lucida Console" panose="020B0609040504020204" pitchFamily="49" charset="0"/>
+              </a:rPr>
+              <a:t>M2</a:t>
+            </a:r>
+            <a:r>
+              <a:rPr lang="it-IT" sz="1600" dirty="0">
+                <a:solidFill>
+                  <a:prstClr val="black"/>
+                </a:solidFill>
+                <a:latin typeface="Lucida Console" panose="020B0609040504020204" pitchFamily="49" charset="0"/>
+              </a:rPr>
+              <a:t> </a:t>
+            </a:r>
+            <a:r>
+              <a:rPr lang="it-IT" sz="1600" dirty="0">
+                <a:solidFill>
+                  <a:srgbClr val="006400"/>
+                </a:solidFill>
+                <a:latin typeface="Lucida Console" panose="020B0609040504020204" pitchFamily="49" charset="0"/>
+              </a:rPr>
+              <a:t># Questo fallirebbe in EF6</a:t>
+            </a:r>
+            <a:endParaRPr lang="it-IT" sz="1600" dirty="0">
+              <a:solidFill>
+                <a:prstClr val="black"/>
+              </a:solidFill>
+              <a:latin typeface="Lucida Console" panose="020B0609040504020204" pitchFamily="49" charset="0"/>
+            </a:endParaRPr>
+          </a:p>
+          <a:p>
+            <a:r>
+              <a:rPr lang="it-IT" sz="1600" dirty="0">
+                <a:solidFill>
+                  <a:srgbClr val="006400"/>
+                </a:solidFill>
+                <a:latin typeface="Lucida Console" panose="020B0609040504020204" pitchFamily="49" charset="0"/>
+              </a:rPr>
+              <a:t># (cambiare il modello)</a:t>
+            </a:r>
+            <a:endParaRPr lang="it-IT" sz="1600" dirty="0">
+              <a:solidFill>
+                <a:prstClr val="black"/>
+              </a:solidFill>
+              <a:latin typeface="Lucida Console" panose="020B0609040504020204" pitchFamily="49" charset="0"/>
+            </a:endParaRPr>
+          </a:p>
+          <a:p>
+            <a:r>
+              <a:rPr lang="it-IT" sz="1600" dirty="0" err="1">
+                <a:solidFill>
+                  <a:srgbClr val="0000FF"/>
+                </a:solidFill>
+                <a:latin typeface="Lucida Console" panose="020B0609040504020204" pitchFamily="49" charset="0"/>
+              </a:rPr>
+              <a:t>Add</a:t>
+            </a:r>
+            <a:r>
+              <a:rPr lang="it-IT" sz="1600" dirty="0">
+                <a:solidFill>
+                  <a:srgbClr val="0000FF"/>
+                </a:solidFill>
+                <a:latin typeface="Lucida Console" panose="020B0609040504020204" pitchFamily="49" charset="0"/>
+              </a:rPr>
+              <a:t>-Migration</a:t>
+            </a:r>
+            <a:r>
+              <a:rPr lang="it-IT" sz="1600" dirty="0">
+                <a:solidFill>
+                  <a:prstClr val="black"/>
+                </a:solidFill>
+                <a:latin typeface="Lucida Console" panose="020B0609040504020204" pitchFamily="49" charset="0"/>
+              </a:rPr>
+              <a:t> </a:t>
+            </a:r>
+            <a:r>
+              <a:rPr lang="it-IT" sz="1600" dirty="0">
+                <a:solidFill>
+                  <a:srgbClr val="8A2BE2"/>
+                </a:solidFill>
+                <a:latin typeface="Lucida Console" panose="020B0609040504020204" pitchFamily="49" charset="0"/>
+              </a:rPr>
+              <a:t>M3</a:t>
+            </a:r>
+            <a:endParaRPr lang="it-IT" sz="1600" dirty="0">
+              <a:solidFill>
+                <a:prstClr val="black"/>
+              </a:solidFill>
+              <a:latin typeface="Lucida Console" panose="020B0609040504020204" pitchFamily="49" charset="0"/>
+            </a:endParaRPr>
+          </a:p>
+          <a:p>
+            <a:r>
+              <a:rPr lang="it-IT" sz="1600" dirty="0" err="1">
+                <a:solidFill>
+                  <a:srgbClr val="0000FF"/>
+                </a:solidFill>
+                <a:latin typeface="Lucida Console" panose="020B0609040504020204" pitchFamily="49" charset="0"/>
+              </a:rPr>
+              <a:t>Apply</a:t>
+            </a:r>
+            <a:r>
+              <a:rPr lang="it-IT" sz="1600" dirty="0">
+                <a:solidFill>
+                  <a:srgbClr val="0000FF"/>
+                </a:solidFill>
+                <a:latin typeface="Lucida Console" panose="020B0609040504020204" pitchFamily="49" charset="0"/>
+              </a:rPr>
+              <a:t>-Migration</a:t>
+            </a:r>
+            <a:r>
+              <a:rPr lang="it-IT" sz="1600" dirty="0">
+                <a:solidFill>
+                  <a:prstClr val="black"/>
+                </a:solidFill>
+                <a:latin typeface="Lucida Console" panose="020B0609040504020204" pitchFamily="49" charset="0"/>
+              </a:rPr>
+              <a:t> </a:t>
+            </a:r>
+            <a:r>
+              <a:rPr lang="it-IT" sz="1600" dirty="0">
+                <a:solidFill>
+                  <a:srgbClr val="006400"/>
+                </a:solidFill>
+                <a:latin typeface="Lucida Console" panose="020B0609040504020204" pitchFamily="49" charset="0"/>
+              </a:rPr>
+              <a:t># Applicherà M1, M2 &amp; M3 </a:t>
+            </a:r>
+          </a:p>
+        </p:txBody>
+      </p:sp>
+    </p:spTree>
+    <p:extLst>
+      <p:ext uri="{BB962C8B-B14F-4D97-AF65-F5344CB8AC3E}">
+        <p14:creationId xmlns:p14="http://schemas.microsoft.com/office/powerpoint/2010/main" val="3369043614"/>
+      </p:ext>
+    </p:extLst>
+  </p:cSld>
+  <p:clrMapOvr>
+    <a:masterClrMapping/>
+  </p:clrMapOvr>
+  <p:timing>
+    <p:tnLst>
+      <p:par>
+        <p:cTn id="1" dur="indefinite" restart="never" nodeType="tmRoot">
+          <p:childTnLst>
+            <p:seq concurrent="1" nextAc="seek">
+              <p:cTn id="2" dur="indefinite" nodeType="mainSeq">
+                <p:childTnLst>
+                  <p:par>
+                    <p:cTn id="3" fill="hold">
+                      <p:stCondLst>
+                        <p:cond delay="indefinite"/>
+                        <p:cond evt="onBegin" delay="0">
+                          <p:tn val="2"/>
+                        </p:cond>
+                      </p:stCondLst>
+                      <p:childTnLst>
+                        <p:par>
+                          <p:cTn id="4" fill="hold">
+                            <p:stCondLst>
+                              <p:cond delay="0"/>
+                            </p:stCondLst>
+                            <p:childTnLst>
+                              <p:par>
+                                <p:cTn id="5" presetID="10" presetClass="entr" presetSubtype="0" fill="hold" grpId="0" nodeType="withEffect">
+                                  <p:stCondLst>
+                                    <p:cond delay="0"/>
+                                  </p:stCondLst>
+                                  <p:childTnLst>
+                                    <p:set>
+                                      <p:cBhvr>
+                                        <p:cTn id="6" dur="1" fill="hold">
+                                          <p:stCondLst>
+                                            <p:cond delay="0"/>
+                                          </p:stCondLst>
+                                        </p:cTn>
+                                        <p:tgtEl>
+                                          <p:spTgt spid="3">
+                                            <p:txEl>
+                                              <p:pRg st="0" end="0"/>
+                                            </p:txEl>
+                                          </p:spTgt>
+                                        </p:tgtEl>
+                                        <p:attrNameLst>
+                                          <p:attrName>style.visibility</p:attrName>
+                                        </p:attrNameLst>
+                                      </p:cBhvr>
+                                      <p:to>
+                                        <p:strVal val="visible"/>
+                                      </p:to>
+                                    </p:set>
+                                    <p:animEffect transition="in" filter="fade">
+                                      <p:cBhvr>
+                                        <p:cTn id="7" dur="500"/>
+                                        <p:tgtEl>
+                                          <p:spTgt spid="3">
+                                            <p:txEl>
+                                              <p:pRg st="0" end="0"/>
+                                            </p:txEl>
+                                          </p:spTgt>
+                                        </p:tgtEl>
+                                      </p:cBhvr>
+                                    </p:animEffect>
+                                  </p:childTnLst>
+                                </p:cTn>
+                              </p:par>
+                            </p:childTnLst>
+                          </p:cTn>
+                        </p:par>
+                      </p:childTnLst>
+                    </p:cTn>
+                  </p:par>
+                  <p:par>
+                    <p:cTn id="8" fill="hold">
+                      <p:stCondLst>
+                        <p:cond delay="indefinite"/>
+                      </p:stCondLst>
+                      <p:childTnLst>
+                        <p:par>
+                          <p:cTn id="9" fill="hold">
+                            <p:stCondLst>
+                              <p:cond delay="0"/>
+                            </p:stCondLst>
+                            <p:childTnLst>
+                              <p:par>
+                                <p:cTn id="10" presetID="10" presetClass="entr" presetSubtype="0" fill="hold" grpId="0" nodeType="clickEffect">
+                                  <p:stCondLst>
+                                    <p:cond delay="0"/>
+                                  </p:stCondLst>
+                                  <p:childTnLst>
+                                    <p:set>
+                                      <p:cBhvr>
+                                        <p:cTn id="11" dur="1" fill="hold">
+                                          <p:stCondLst>
+                                            <p:cond delay="0"/>
+                                          </p:stCondLst>
+                                        </p:cTn>
+                                        <p:tgtEl>
+                                          <p:spTgt spid="3">
+                                            <p:txEl>
+                                              <p:pRg st="1" end="1"/>
+                                            </p:txEl>
+                                          </p:spTgt>
+                                        </p:tgtEl>
+                                        <p:attrNameLst>
+                                          <p:attrName>style.visibility</p:attrName>
+                                        </p:attrNameLst>
+                                      </p:cBhvr>
+                                      <p:to>
+                                        <p:strVal val="visible"/>
+                                      </p:to>
+                                    </p:set>
+                                    <p:animEffect transition="in" filter="fade">
+                                      <p:cBhvr>
+                                        <p:cTn id="12" dur="500"/>
+                                        <p:tgtEl>
+                                          <p:spTgt spid="3">
+                                            <p:txEl>
+                                              <p:pRg st="1" end="1"/>
+                                            </p:txEl>
+                                          </p:spTgt>
+                                        </p:tgtEl>
+                                      </p:cBhvr>
+                                    </p:animEffect>
+                                  </p:childTnLst>
+                                </p:cTn>
+                              </p:par>
+                              <p:par>
+                                <p:cTn id="13" presetID="10" presetClass="entr" presetSubtype="0" fill="hold" grpId="0" nodeType="withEffect">
+                                  <p:stCondLst>
+                                    <p:cond delay="0"/>
+                                  </p:stCondLst>
+                                  <p:childTnLst>
+                                    <p:set>
+                                      <p:cBhvr>
+                                        <p:cTn id="14" dur="1" fill="hold">
+                                          <p:stCondLst>
+                                            <p:cond delay="0"/>
+                                          </p:stCondLst>
+                                        </p:cTn>
+                                        <p:tgtEl>
+                                          <p:spTgt spid="3">
+                                            <p:txEl>
+                                              <p:pRg st="2" end="2"/>
+                                            </p:txEl>
+                                          </p:spTgt>
+                                        </p:tgtEl>
+                                        <p:attrNameLst>
+                                          <p:attrName>style.visibility</p:attrName>
+                                        </p:attrNameLst>
+                                      </p:cBhvr>
+                                      <p:to>
+                                        <p:strVal val="visible"/>
+                                      </p:to>
+                                    </p:set>
+                                    <p:animEffect transition="in" filter="fade">
+                                      <p:cBhvr>
+                                        <p:cTn id="15" dur="500"/>
+                                        <p:tgtEl>
+                                          <p:spTgt spid="3">
+                                            <p:txEl>
+                                              <p:pRg st="2" end="2"/>
+                                            </p:txEl>
+                                          </p:spTgt>
+                                        </p:tgtEl>
+                                      </p:cBhvr>
+                                    </p:animEffect>
+                                  </p:childTnLst>
+                                </p:cTn>
+                              </p:par>
+                              <p:par>
+                                <p:cTn id="16" presetID="10" presetClass="entr" presetSubtype="0" fill="hold" grpId="0" nodeType="withEffect">
+                                  <p:stCondLst>
+                                    <p:cond delay="0"/>
+                                  </p:stCondLst>
+                                  <p:childTnLst>
+                                    <p:set>
+                                      <p:cBhvr>
+                                        <p:cTn id="17" dur="1" fill="hold">
+                                          <p:stCondLst>
+                                            <p:cond delay="0"/>
+                                          </p:stCondLst>
+                                        </p:cTn>
+                                        <p:tgtEl>
+                                          <p:spTgt spid="3">
+                                            <p:txEl>
+                                              <p:pRg st="3" end="3"/>
+                                            </p:txEl>
+                                          </p:spTgt>
+                                        </p:tgtEl>
+                                        <p:attrNameLst>
+                                          <p:attrName>style.visibility</p:attrName>
+                                        </p:attrNameLst>
+                                      </p:cBhvr>
+                                      <p:to>
+                                        <p:strVal val="visible"/>
+                                      </p:to>
+                                    </p:set>
+                                    <p:animEffect transition="in" filter="fade">
+                                      <p:cBhvr>
+                                        <p:cTn id="18" dur="500"/>
+                                        <p:tgtEl>
+                                          <p:spTgt spid="3">
+                                            <p:txEl>
+                                              <p:pRg st="3" end="3"/>
+                                            </p:txEl>
+                                          </p:spTgt>
+                                        </p:tgtEl>
+                                      </p:cBhvr>
+                                    </p:animEffect>
+                                  </p:childTnLst>
+                                </p:cTn>
+                              </p:par>
+                              <p:par>
+                                <p:cTn id="19" presetID="10" presetClass="entr" presetSubtype="0" fill="hold" grpId="0" nodeType="withEffect">
+                                  <p:stCondLst>
+                                    <p:cond delay="0"/>
+                                  </p:stCondLst>
+                                  <p:childTnLst>
+                                    <p:set>
+                                      <p:cBhvr>
+                                        <p:cTn id="20" dur="1" fill="hold">
+                                          <p:stCondLst>
+                                            <p:cond delay="0"/>
+                                          </p:stCondLst>
+                                        </p:cTn>
+                                        <p:tgtEl>
+                                          <p:spTgt spid="3">
+                                            <p:txEl>
+                                              <p:pRg st="4" end="4"/>
+                                            </p:txEl>
+                                          </p:spTgt>
+                                        </p:tgtEl>
+                                        <p:attrNameLst>
+                                          <p:attrName>style.visibility</p:attrName>
+                                        </p:attrNameLst>
+                                      </p:cBhvr>
+                                      <p:to>
+                                        <p:strVal val="visible"/>
+                                      </p:to>
+                                    </p:set>
+                                    <p:animEffect transition="in" filter="fade">
+                                      <p:cBhvr>
+                                        <p:cTn id="21" dur="500"/>
+                                        <p:tgtEl>
+                                          <p:spTgt spid="3">
+                                            <p:txEl>
+                                              <p:pRg st="4" end="4"/>
+                                            </p:txEl>
+                                          </p:spTgt>
+                                        </p:tgtEl>
+                                      </p:cBhvr>
+                                    </p:animEffect>
+                                  </p:childTnLst>
+                                </p:cTn>
+                              </p:par>
+                            </p:childTnLst>
+                          </p:cTn>
+                        </p:par>
+                      </p:childTnLst>
+                    </p:cTn>
+                  </p:par>
+                  <p:par>
+                    <p:cTn id="22" fill="hold">
+                      <p:stCondLst>
+                        <p:cond delay="indefinite"/>
+                      </p:stCondLst>
+                      <p:childTnLst>
+                        <p:par>
+                          <p:cTn id="23" fill="hold">
+                            <p:stCondLst>
+                              <p:cond delay="0"/>
+                            </p:stCondLst>
+                            <p:childTnLst>
+                              <p:par>
+                                <p:cTn id="24" presetID="10" presetClass="entr" presetSubtype="0" fill="hold" grpId="0" nodeType="clickEffect">
+                                  <p:stCondLst>
+                                    <p:cond delay="0"/>
+                                  </p:stCondLst>
+                                  <p:childTnLst>
+                                    <p:set>
+                                      <p:cBhvr>
+                                        <p:cTn id="25" dur="1" fill="hold">
+                                          <p:stCondLst>
+                                            <p:cond delay="0"/>
+                                          </p:stCondLst>
+                                        </p:cTn>
+                                        <p:tgtEl>
+                                          <p:spTgt spid="3">
+                                            <p:txEl>
+                                              <p:pRg st="5" end="5"/>
+                                            </p:txEl>
+                                          </p:spTgt>
+                                        </p:tgtEl>
+                                        <p:attrNameLst>
+                                          <p:attrName>style.visibility</p:attrName>
+                                        </p:attrNameLst>
+                                      </p:cBhvr>
+                                      <p:to>
+                                        <p:strVal val="visible"/>
+                                      </p:to>
+                                    </p:set>
+                                    <p:animEffect transition="in" filter="fade">
+                                      <p:cBhvr>
+                                        <p:cTn id="26" dur="500"/>
+                                        <p:tgtEl>
+                                          <p:spTgt spid="3">
+                                            <p:txEl>
+                                              <p:pRg st="5" end="5"/>
+                                            </p:txEl>
+                                          </p:spTgt>
+                                        </p:tgtEl>
+                                      </p:cBhvr>
+                                    </p:animEffect>
+                                  </p:childTnLst>
+                                </p:cTn>
+                              </p:par>
+                              <p:par>
+                                <p:cTn id="27" presetID="10" presetClass="entr" presetSubtype="0" fill="hold" grpId="0" nodeType="withEffect">
+                                  <p:stCondLst>
+                                    <p:cond delay="0"/>
+                                  </p:stCondLst>
+                                  <p:childTnLst>
+                                    <p:set>
+                                      <p:cBhvr>
+                                        <p:cTn id="28" dur="1" fill="hold">
+                                          <p:stCondLst>
+                                            <p:cond delay="0"/>
+                                          </p:stCondLst>
+                                        </p:cTn>
+                                        <p:tgtEl>
+                                          <p:spTgt spid="6"/>
+                                        </p:tgtEl>
+                                        <p:attrNameLst>
+                                          <p:attrName>style.visibility</p:attrName>
+                                        </p:attrNameLst>
+                                      </p:cBhvr>
+                                      <p:to>
+                                        <p:strVal val="visible"/>
+                                      </p:to>
+                                    </p:set>
+                                    <p:animEffect transition="in" filter="fade">
+                                      <p:cBhvr>
+                                        <p:cTn id="29" dur="500"/>
+                                        <p:tgtEl>
+                                          <p:spTgt spid="6"/>
+                                        </p:tgtEl>
+                                      </p:cBhvr>
+                                    </p:animEffect>
+                                  </p:childTnLst>
+                                </p:cTn>
+                              </p:par>
+                            </p:childTnLst>
+                          </p:cTn>
+                        </p:par>
+                      </p:childTnLst>
+                    </p:cTn>
+                  </p:par>
+                </p:childTnLst>
+              </p:cTn>
+              <p:prevCondLst>
+                <p:cond evt="onPrev" delay="0">
+                  <p:tgtEl>
+                    <p:sldTgt/>
+                  </p:tgtEl>
+                </p:cond>
+              </p:prevCondLst>
+              <p:nextCondLst>
+                <p:cond evt="onNext" delay="0">
+                  <p:tgtEl>
+                    <p:sldTgt/>
+                  </p:tgtEl>
+                </p:cond>
+              </p:nextCondLst>
+            </p:seq>
+          </p:childTnLst>
+        </p:cTn>
+      </p:par>
+    </p:tnLst>
+    <p:bldLst>
+      <p:bldP spid="3" grpId="0" uiExpand="1" build="p"/>
+      <p:bldP spid="6" grpId="0"/>
+    </p:bldLst>
+  </p:timing>
+</p:sld>
+</file>
+
+<file path=ppt/slides/slide15.xml><?xml version="1.0" encoding="utf-8"?>
+<p:sld xmlns:a="http://schemas.openxmlformats.org/drawingml/2006/main" xmlns:r="http://schemas.openxmlformats.org/officeDocument/2006/relationships" xmlns:p="http://schemas.openxmlformats.org/presentationml/2006/main">
+  <p:cSld>
+    <p:spTree>
+      <p:nvGrpSpPr>
+        <p:cNvPr id="1" name=""/>
+        <p:cNvGrpSpPr/>
+        <p:nvPr/>
+      </p:nvGrpSpPr>
+      <p:grpSpPr>
+        <a:xfrm>
+          <a:off x="0" y="0"/>
+          <a:ext cx="0" cy="0"/>
+          <a:chOff x="0" y="0"/>
+          <a:chExt cx="0" cy="0"/>
+        </a:xfrm>
+      </p:grpSpPr>
+      <p:sp>
+        <p:nvSpPr>
+          <p:cNvPr id="2" name="Title 1"/>
+          <p:cNvSpPr>
+            <a:spLocks noGrp="1"/>
+          </p:cNvSpPr>
+          <p:nvPr>
+            <p:ph type="title"/>
+          </p:nvPr>
+        </p:nvSpPr>
+        <p:spPr/>
+        <p:txBody>
+          <a:bodyPr/>
+          <a:lstStyle/>
+          <a:p>
+            <a:r>
+              <a:rPr lang="it-IT" noProof="0" dirty="0" smtClean="0"/>
               <a:t>DEMO</a:t>
             </a:r>
             <a:endParaRPr lang="it-IT" noProof="0" dirty="0"/>
@@ -8935,7 +10734,7 @@
 </p:sld>
 </file>
 
-<file path=ppt/slides/slide14.xml><?xml version="1.0" encoding="utf-8"?>
+<file path=ppt/slides/slide16.xml><?xml version="1.0" encoding="utf-8"?>
 <p:sld xmlns:a="http://schemas.openxmlformats.org/drawingml/2006/main" xmlns:r="http://schemas.openxmlformats.org/officeDocument/2006/relationships" xmlns:p="http://schemas.openxmlformats.org/presentationml/2006/main">
   <p:cSld>
     <p:spTree>
@@ -9128,7 +10927,7 @@
 </p:sld>
 </file>
 
-<file path=ppt/slides/slide15.xml><?xml version="1.0" encoding="utf-8"?>
+<file path=ppt/slides/slide17.xml><?xml version="1.0" encoding="utf-8"?>
 <p:sld xmlns:a="http://schemas.openxmlformats.org/drawingml/2006/main" xmlns:r="http://schemas.openxmlformats.org/officeDocument/2006/relationships" xmlns:p="http://schemas.openxmlformats.org/presentationml/2006/main">
   <p:cSld>
     <p:spTree>
@@ -9324,7 +11123,7 @@
 </p:sld>
 </file>
 
-<file path=ppt/slides/slide16.xml><?xml version="1.0" encoding="utf-8"?>
+<file path=ppt/slides/slide18.xml><?xml version="1.0" encoding="utf-8"?>
 <p:sld xmlns:a="http://schemas.openxmlformats.org/drawingml/2006/main" xmlns:r="http://schemas.openxmlformats.org/officeDocument/2006/relationships" xmlns:p="http://schemas.openxmlformats.org/presentationml/2006/main">
   <p:cSld>
     <p:spTree>
@@ -9512,7 +11311,7 @@
 </p:sld>
 </file>
 
-<file path=ppt/slides/slide17.xml><?xml version="1.0" encoding="utf-8"?>
+<file path=ppt/slides/slide19.xml><?xml version="1.0" encoding="utf-8"?>
 <p:sld xmlns:a="http://schemas.openxmlformats.org/drawingml/2006/main" xmlns:r="http://schemas.openxmlformats.org/officeDocument/2006/relationships" xmlns:p="http://schemas.openxmlformats.org/presentationml/2006/main">
   <p:cSld>
     <p:spTree>
@@ -9684,286 +11483,6 @@
     <p:extLst>
       <p:ext uri="{BB962C8B-B14F-4D97-AF65-F5344CB8AC3E}">
         <p14:creationId xmlns:p14="http://schemas.microsoft.com/office/powerpoint/2010/main" val="94925909"/>
-      </p:ext>
-    </p:extLst>
-  </p:cSld>
-  <p:clrMapOvr>
-    <a:masterClrMapping/>
-  </p:clrMapOvr>
-  <p:timing>
-    <p:tnLst>
-      <p:par>
-        <p:cTn id="1" dur="indefinite" restart="never" nodeType="tmRoot"/>
-      </p:par>
-    </p:tnLst>
-  </p:timing>
-</p:sld>
-</file>
-
-<file path=ppt/slides/slide18.xml><?xml version="1.0" encoding="utf-8"?>
-<p:sld xmlns:a="http://schemas.openxmlformats.org/drawingml/2006/main" xmlns:r="http://schemas.openxmlformats.org/officeDocument/2006/relationships" xmlns:p="http://schemas.openxmlformats.org/presentationml/2006/main">
-  <p:cSld>
-    <p:spTree>
-      <p:nvGrpSpPr>
-        <p:cNvPr id="1" name=""/>
-        <p:cNvGrpSpPr/>
-        <p:nvPr/>
-      </p:nvGrpSpPr>
-      <p:grpSpPr>
-        <a:xfrm>
-          <a:off x="0" y="0"/>
-          <a:ext cx="0" cy="0"/>
-          <a:chOff x="0" y="0"/>
-          <a:chExt cx="0" cy="0"/>
-        </a:xfrm>
-      </p:grpSpPr>
-      <p:sp>
-        <p:nvSpPr>
-          <p:cNvPr id="2" name="Title 1"/>
-          <p:cNvSpPr>
-            <a:spLocks noGrp="1"/>
-          </p:cNvSpPr>
-          <p:nvPr>
-            <p:ph type="title"/>
-          </p:nvPr>
-        </p:nvSpPr>
-        <p:spPr/>
-        <p:txBody>
-          <a:bodyPr/>
-          <a:lstStyle/>
-          <a:p>
-            <a:r>
-              <a:rPr lang="it-IT" noProof="0" dirty="0" smtClean="0"/>
-              <a:t>Risorse Utili</a:t>
-            </a:r>
-            <a:endParaRPr lang="it-IT" noProof="0" dirty="0"/>
-          </a:p>
-        </p:txBody>
-      </p:sp>
-      <p:sp>
-        <p:nvSpPr>
-          <p:cNvPr id="3" name="Content Placeholder 2"/>
-          <p:cNvSpPr>
-            <a:spLocks noGrp="1"/>
-          </p:cNvSpPr>
-          <p:nvPr>
-            <p:ph idx="4294967295"/>
-          </p:nvPr>
-        </p:nvSpPr>
-        <p:spPr>
-          <a:xfrm>
-            <a:off x="452438" y="1423988"/>
-            <a:ext cx="8242300" cy="4695825"/>
-          </a:xfrm>
-          <a:prstGeom prst="rect">
-            <a:avLst/>
-          </a:prstGeom>
-        </p:spPr>
-        <p:txBody>
-          <a:bodyPr>
-            <a:noAutofit/>
-          </a:bodyPr>
-          <a:lstStyle/>
-          <a:p>
-            <a:pPr>
-              <a:lnSpc>
-                <a:spcPct val="150000"/>
-              </a:lnSpc>
-            </a:pPr>
-            <a:r>
-              <a:rPr lang="it-IT" sz="2800" noProof="0" dirty="0" smtClean="0"/>
-              <a:t>EF7 info | aka.ms/AboutEF7</a:t>
-            </a:r>
-          </a:p>
-          <a:p>
-            <a:pPr>
-              <a:lnSpc>
-                <a:spcPct val="150000"/>
-              </a:lnSpc>
-            </a:pPr>
-            <a:r>
-              <a:rPr lang="it-IT" sz="2800" noProof="0" dirty="0" smtClean="0"/>
-              <a:t>EF Project | github.com/aspnet/EntityFramework</a:t>
-            </a:r>
-          </a:p>
-          <a:p>
-            <a:pPr>
-              <a:lnSpc>
-                <a:spcPct val="150000"/>
-              </a:lnSpc>
-            </a:pPr>
-            <a:r>
-              <a:rPr lang="it-IT" sz="2800" b="1" noProof="0" dirty="0" smtClean="0"/>
-              <a:t>Demo code</a:t>
-            </a:r>
-            <a:r>
-              <a:rPr lang="it-IT" sz="2800" noProof="0" dirty="0" smtClean="0"/>
-              <a:t> | </a:t>
-            </a:r>
-            <a:r>
-              <a:rPr lang="it-IT" sz="2800" noProof="0" dirty="0" smtClean="0"/>
-              <a:t>github.com/</a:t>
-            </a:r>
-            <a:r>
-              <a:rPr lang="it-IT" sz="2800" b="1" noProof="0" dirty="0" err="1" smtClean="0"/>
-              <a:t>micdenny</a:t>
-            </a:r>
-            <a:r>
-              <a:rPr lang="it-IT" sz="2800" b="1" noProof="0" dirty="0" smtClean="0"/>
-              <a:t>/Demo-EF7</a:t>
-            </a:r>
-          </a:p>
-          <a:p>
-            <a:pPr>
-              <a:lnSpc>
-                <a:spcPct val="150000"/>
-              </a:lnSpc>
-            </a:pPr>
-            <a:r>
-              <a:rPr lang="it-IT" sz="2800" dirty="0" smtClean="0"/>
-              <a:t>Team blog | blogs.msdn.com/</a:t>
-            </a:r>
-            <a:r>
-              <a:rPr lang="it-IT" sz="2800" dirty="0" err="1" smtClean="0"/>
-              <a:t>adonet</a:t>
-            </a:r>
-            <a:endParaRPr lang="it-IT" sz="2800" dirty="0" smtClean="0"/>
-          </a:p>
-          <a:p>
-            <a:pPr>
-              <a:lnSpc>
-                <a:spcPct val="150000"/>
-              </a:lnSpc>
-            </a:pPr>
-            <a:r>
-              <a:rPr lang="it-IT" sz="2800" noProof="0" dirty="0" smtClean="0"/>
-              <a:t>Twitter | @</a:t>
-            </a:r>
-            <a:r>
-              <a:rPr lang="it-IT" sz="2800" noProof="0" dirty="0" err="1" smtClean="0"/>
-              <a:t>efmagicunicorns</a:t>
-            </a:r>
-            <a:endParaRPr lang="it-IT" sz="2800" noProof="0" dirty="0" smtClean="0"/>
-          </a:p>
-          <a:p>
-            <a:pPr>
-              <a:lnSpc>
-                <a:spcPct val="150000"/>
-              </a:lnSpc>
-            </a:pPr>
-            <a:r>
-              <a:rPr lang="it-IT" sz="2800" dirty="0" err="1" smtClean="0"/>
-              <a:t>Facebook</a:t>
-            </a:r>
-            <a:r>
-              <a:rPr lang="it-IT" sz="2800" dirty="0" smtClean="0"/>
-              <a:t> | facebook.com/</a:t>
-            </a:r>
-            <a:r>
-              <a:rPr lang="it-IT" sz="2800" dirty="0" err="1" smtClean="0"/>
-              <a:t>efmagicunicorns</a:t>
-            </a:r>
-            <a:endParaRPr lang="it-IT" sz="2800" noProof="0" dirty="0"/>
-          </a:p>
-        </p:txBody>
-      </p:sp>
-    </p:spTree>
-    <p:extLst>
-      <p:ext uri="{BB962C8B-B14F-4D97-AF65-F5344CB8AC3E}">
-        <p14:creationId xmlns:p14="http://schemas.microsoft.com/office/powerpoint/2010/main" val="2358632824"/>
-      </p:ext>
-    </p:extLst>
-  </p:cSld>
-  <p:clrMapOvr>
-    <a:masterClrMapping/>
-  </p:clrMapOvr>
-  <p:timing>
-    <p:tnLst>
-      <p:par>
-        <p:cTn id="1" dur="indefinite" restart="never" nodeType="tmRoot"/>
-      </p:par>
-    </p:tnLst>
-  </p:timing>
-</p:sld>
-</file>
-
-<file path=ppt/slides/slide19.xml><?xml version="1.0" encoding="utf-8"?>
-<p:sld xmlns:a="http://schemas.openxmlformats.org/drawingml/2006/main" xmlns:r="http://schemas.openxmlformats.org/officeDocument/2006/relationships" xmlns:p="http://schemas.openxmlformats.org/presentationml/2006/main">
-  <p:cSld>
-    <p:spTree>
-      <p:nvGrpSpPr>
-        <p:cNvPr id="1" name=""/>
-        <p:cNvGrpSpPr/>
-        <p:nvPr/>
-      </p:nvGrpSpPr>
-      <p:grpSpPr>
-        <a:xfrm>
-          <a:off x="0" y="0"/>
-          <a:ext cx="0" cy="0"/>
-          <a:chOff x="0" y="0"/>
-          <a:chExt cx="0" cy="0"/>
-        </a:xfrm>
-      </p:grpSpPr>
-      <p:sp>
-        <p:nvSpPr>
-          <p:cNvPr id="2" name="Title 1"/>
-          <p:cNvSpPr>
-            <a:spLocks noGrp="1"/>
-          </p:cNvSpPr>
-          <p:nvPr>
-            <p:ph type="title"/>
-          </p:nvPr>
-        </p:nvSpPr>
-        <p:spPr/>
-        <p:txBody>
-          <a:bodyPr/>
-          <a:lstStyle/>
-          <a:p>
-            <a:r>
-              <a:rPr lang="it-IT" noProof="0" dirty="0" smtClean="0"/>
-              <a:t>Q&amp;A</a:t>
-            </a:r>
-            <a:endParaRPr lang="it-IT" noProof="0" dirty="0"/>
-          </a:p>
-        </p:txBody>
-      </p:sp>
-      <p:sp>
-        <p:nvSpPr>
-          <p:cNvPr id="3" name="Content Placeholder 2"/>
-          <p:cNvSpPr>
-            <a:spLocks noGrp="1"/>
-          </p:cNvSpPr>
-          <p:nvPr>
-            <p:ph idx="4294967295"/>
-          </p:nvPr>
-        </p:nvSpPr>
-        <p:spPr>
-          <a:xfrm>
-            <a:off x="452438" y="1423988"/>
-            <a:ext cx="8242300" cy="4695825"/>
-          </a:xfrm>
-          <a:prstGeom prst="rect">
-            <a:avLst/>
-          </a:prstGeom>
-        </p:spPr>
-        <p:txBody>
-          <a:bodyPr/>
-          <a:lstStyle/>
-          <a:p>
-            <a:r>
-              <a:rPr lang="it-IT" sz="2800" noProof="0" dirty="0" smtClean="0"/>
-              <a:t>Questions?</a:t>
-            </a:r>
-          </a:p>
-          <a:p>
-            <a:endParaRPr lang="it-IT" sz="2400" noProof="0" dirty="0"/>
-          </a:p>
-        </p:txBody>
-      </p:sp>
-    </p:spTree>
-    <p:extLst>
-      <p:ext uri="{BB962C8B-B14F-4D97-AF65-F5344CB8AC3E}">
-        <p14:creationId xmlns:p14="http://schemas.microsoft.com/office/powerpoint/2010/main" val="1987210746"/>
       </p:ext>
     </p:extLst>
   </p:cSld>
@@ -10284,6 +11803,282 @@
 </file>
 
 <file path=ppt/slides/slide20.xml><?xml version="1.0" encoding="utf-8"?>
+<p:sld xmlns:a="http://schemas.openxmlformats.org/drawingml/2006/main" xmlns:r="http://schemas.openxmlformats.org/officeDocument/2006/relationships" xmlns:p="http://schemas.openxmlformats.org/presentationml/2006/main">
+  <p:cSld>
+    <p:spTree>
+      <p:nvGrpSpPr>
+        <p:cNvPr id="1" name=""/>
+        <p:cNvGrpSpPr/>
+        <p:nvPr/>
+      </p:nvGrpSpPr>
+      <p:grpSpPr>
+        <a:xfrm>
+          <a:off x="0" y="0"/>
+          <a:ext cx="0" cy="0"/>
+          <a:chOff x="0" y="0"/>
+          <a:chExt cx="0" cy="0"/>
+        </a:xfrm>
+      </p:grpSpPr>
+      <p:sp>
+        <p:nvSpPr>
+          <p:cNvPr id="2" name="Title 1"/>
+          <p:cNvSpPr>
+            <a:spLocks noGrp="1"/>
+          </p:cNvSpPr>
+          <p:nvPr>
+            <p:ph type="title"/>
+          </p:nvPr>
+        </p:nvSpPr>
+        <p:spPr/>
+        <p:txBody>
+          <a:bodyPr/>
+          <a:lstStyle/>
+          <a:p>
+            <a:r>
+              <a:rPr lang="it-IT" noProof="0" dirty="0" smtClean="0"/>
+              <a:t>Risorse Utili</a:t>
+            </a:r>
+            <a:endParaRPr lang="it-IT" noProof="0" dirty="0"/>
+          </a:p>
+        </p:txBody>
+      </p:sp>
+      <p:sp>
+        <p:nvSpPr>
+          <p:cNvPr id="3" name="Content Placeholder 2"/>
+          <p:cNvSpPr>
+            <a:spLocks noGrp="1"/>
+          </p:cNvSpPr>
+          <p:nvPr>
+            <p:ph idx="4294967295"/>
+          </p:nvPr>
+        </p:nvSpPr>
+        <p:spPr>
+          <a:xfrm>
+            <a:off x="452438" y="1423988"/>
+            <a:ext cx="8242300" cy="4695825"/>
+          </a:xfrm>
+          <a:prstGeom prst="rect">
+            <a:avLst/>
+          </a:prstGeom>
+        </p:spPr>
+        <p:txBody>
+          <a:bodyPr>
+            <a:noAutofit/>
+          </a:bodyPr>
+          <a:lstStyle/>
+          <a:p>
+            <a:pPr>
+              <a:lnSpc>
+                <a:spcPct val="150000"/>
+              </a:lnSpc>
+            </a:pPr>
+            <a:r>
+              <a:rPr lang="it-IT" sz="2800" noProof="0" dirty="0" smtClean="0"/>
+              <a:t>EF7 info | aka.ms/AboutEF7</a:t>
+            </a:r>
+          </a:p>
+          <a:p>
+            <a:pPr>
+              <a:lnSpc>
+                <a:spcPct val="150000"/>
+              </a:lnSpc>
+            </a:pPr>
+            <a:r>
+              <a:rPr lang="it-IT" sz="2800" noProof="0" dirty="0" smtClean="0"/>
+              <a:t>EF Project | github.com/aspnet/EntityFramework</a:t>
+            </a:r>
+          </a:p>
+          <a:p>
+            <a:pPr>
+              <a:lnSpc>
+                <a:spcPct val="150000"/>
+              </a:lnSpc>
+            </a:pPr>
+            <a:r>
+              <a:rPr lang="it-IT" sz="2800" b="1" noProof="0" dirty="0" smtClean="0"/>
+              <a:t>Demo code</a:t>
+            </a:r>
+            <a:r>
+              <a:rPr lang="it-IT" sz="2800" noProof="0" dirty="0" smtClean="0"/>
+              <a:t> | github.com/</a:t>
+            </a:r>
+            <a:r>
+              <a:rPr lang="it-IT" sz="2800" b="1" noProof="0" dirty="0" err="1" smtClean="0"/>
+              <a:t>micdenny</a:t>
+            </a:r>
+            <a:r>
+              <a:rPr lang="it-IT" sz="2800" b="1" noProof="0" dirty="0" smtClean="0"/>
+              <a:t>/Demo-EF7</a:t>
+            </a:r>
+          </a:p>
+          <a:p>
+            <a:pPr>
+              <a:lnSpc>
+                <a:spcPct val="150000"/>
+              </a:lnSpc>
+            </a:pPr>
+            <a:r>
+              <a:rPr lang="it-IT" sz="2800" dirty="0" smtClean="0"/>
+              <a:t>Team blog | blogs.msdn.com/</a:t>
+            </a:r>
+            <a:r>
+              <a:rPr lang="it-IT" sz="2800" dirty="0" err="1" smtClean="0"/>
+              <a:t>adonet</a:t>
+            </a:r>
+            <a:endParaRPr lang="it-IT" sz="2800" dirty="0" smtClean="0"/>
+          </a:p>
+          <a:p>
+            <a:pPr>
+              <a:lnSpc>
+                <a:spcPct val="150000"/>
+              </a:lnSpc>
+            </a:pPr>
+            <a:r>
+              <a:rPr lang="it-IT" sz="2800" noProof="0" dirty="0" smtClean="0"/>
+              <a:t>Twitter | @</a:t>
+            </a:r>
+            <a:r>
+              <a:rPr lang="it-IT" sz="2800" noProof="0" dirty="0" err="1" smtClean="0"/>
+              <a:t>efmagicunicorns</a:t>
+            </a:r>
+            <a:endParaRPr lang="it-IT" sz="2800" noProof="0" dirty="0" smtClean="0"/>
+          </a:p>
+          <a:p>
+            <a:pPr>
+              <a:lnSpc>
+                <a:spcPct val="150000"/>
+              </a:lnSpc>
+            </a:pPr>
+            <a:r>
+              <a:rPr lang="it-IT" sz="2800" dirty="0" err="1" smtClean="0"/>
+              <a:t>Facebook</a:t>
+            </a:r>
+            <a:r>
+              <a:rPr lang="it-IT" sz="2800" dirty="0" smtClean="0"/>
+              <a:t> | facebook.com/</a:t>
+            </a:r>
+            <a:r>
+              <a:rPr lang="it-IT" sz="2800" dirty="0" err="1" smtClean="0"/>
+              <a:t>efmagicunicorns</a:t>
+            </a:r>
+            <a:endParaRPr lang="it-IT" sz="2800" noProof="0" dirty="0"/>
+          </a:p>
+        </p:txBody>
+      </p:sp>
+    </p:spTree>
+    <p:extLst>
+      <p:ext uri="{BB962C8B-B14F-4D97-AF65-F5344CB8AC3E}">
+        <p14:creationId xmlns:p14="http://schemas.microsoft.com/office/powerpoint/2010/main" val="2358632824"/>
+      </p:ext>
+    </p:extLst>
+  </p:cSld>
+  <p:clrMapOvr>
+    <a:masterClrMapping/>
+  </p:clrMapOvr>
+  <p:timing>
+    <p:tnLst>
+      <p:par>
+        <p:cTn id="1" dur="indefinite" restart="never" nodeType="tmRoot"/>
+      </p:par>
+    </p:tnLst>
+  </p:timing>
+</p:sld>
+</file>
+
+<file path=ppt/slides/slide21.xml><?xml version="1.0" encoding="utf-8"?>
+<p:sld xmlns:a="http://schemas.openxmlformats.org/drawingml/2006/main" xmlns:r="http://schemas.openxmlformats.org/officeDocument/2006/relationships" xmlns:p="http://schemas.openxmlformats.org/presentationml/2006/main">
+  <p:cSld>
+    <p:spTree>
+      <p:nvGrpSpPr>
+        <p:cNvPr id="1" name=""/>
+        <p:cNvGrpSpPr/>
+        <p:nvPr/>
+      </p:nvGrpSpPr>
+      <p:grpSpPr>
+        <a:xfrm>
+          <a:off x="0" y="0"/>
+          <a:ext cx="0" cy="0"/>
+          <a:chOff x="0" y="0"/>
+          <a:chExt cx="0" cy="0"/>
+        </a:xfrm>
+      </p:grpSpPr>
+      <p:sp>
+        <p:nvSpPr>
+          <p:cNvPr id="2" name="Title 1"/>
+          <p:cNvSpPr>
+            <a:spLocks noGrp="1"/>
+          </p:cNvSpPr>
+          <p:nvPr>
+            <p:ph type="title"/>
+          </p:nvPr>
+        </p:nvSpPr>
+        <p:spPr/>
+        <p:txBody>
+          <a:bodyPr/>
+          <a:lstStyle/>
+          <a:p>
+            <a:r>
+              <a:rPr lang="it-IT" noProof="0" dirty="0" smtClean="0"/>
+              <a:t>Q&amp;A</a:t>
+            </a:r>
+            <a:endParaRPr lang="it-IT" noProof="0" dirty="0"/>
+          </a:p>
+        </p:txBody>
+      </p:sp>
+      <p:sp>
+        <p:nvSpPr>
+          <p:cNvPr id="3" name="Content Placeholder 2"/>
+          <p:cNvSpPr>
+            <a:spLocks noGrp="1"/>
+          </p:cNvSpPr>
+          <p:nvPr>
+            <p:ph idx="4294967295"/>
+          </p:nvPr>
+        </p:nvSpPr>
+        <p:spPr>
+          <a:xfrm>
+            <a:off x="452438" y="1423988"/>
+            <a:ext cx="8242300" cy="4695825"/>
+          </a:xfrm>
+          <a:prstGeom prst="rect">
+            <a:avLst/>
+          </a:prstGeom>
+        </p:spPr>
+        <p:txBody>
+          <a:bodyPr/>
+          <a:lstStyle/>
+          <a:p>
+            <a:r>
+              <a:rPr lang="it-IT" sz="2800" noProof="0" dirty="0" smtClean="0"/>
+              <a:t>Questions?</a:t>
+            </a:r>
+          </a:p>
+          <a:p>
+            <a:endParaRPr lang="it-IT" sz="2400" noProof="0" dirty="0"/>
+          </a:p>
+        </p:txBody>
+      </p:sp>
+    </p:spTree>
+    <p:extLst>
+      <p:ext uri="{BB962C8B-B14F-4D97-AF65-F5344CB8AC3E}">
+        <p14:creationId xmlns:p14="http://schemas.microsoft.com/office/powerpoint/2010/main" val="1987210746"/>
+      </p:ext>
+    </p:extLst>
+  </p:cSld>
+  <p:clrMapOvr>
+    <a:masterClrMapping/>
+  </p:clrMapOvr>
+  <p:timing>
+    <p:tnLst>
+      <p:par>
+        <p:cTn id="1" dur="indefinite" restart="never" nodeType="tmRoot"/>
+      </p:par>
+    </p:tnLst>
+  </p:timing>
+</p:sld>
+</file>
+
+<file path=ppt/slides/slide22.xml><?xml version="1.0" encoding="utf-8"?>
 <p:sld xmlns:a="http://schemas.openxmlformats.org/drawingml/2006/main" xmlns:r="http://schemas.openxmlformats.org/officeDocument/2006/relationships" xmlns:p="http://schemas.openxmlformats.org/presentationml/2006/main">
   <p:cSld>
     <p:spTree>
@@ -13685,11 +15480,7 @@
           <a:p>
             <a:r>
               <a:rPr lang="it-IT" sz="3200" noProof="0" dirty="0" smtClean="0"/>
-              <a:t>Full .NET </a:t>
-            </a:r>
-            <a:r>
-              <a:rPr lang="it-IT" sz="3200" noProof="0" dirty="0" smtClean="0"/>
-              <a:t>Framework</a:t>
+              <a:t>Full .NET Framework</a:t>
             </a:r>
           </a:p>
           <a:p>
@@ -13708,13 +15499,8 @@
           <a:p>
             <a:r>
               <a:rPr lang="it-IT" sz="3200" noProof="0" dirty="0" smtClean="0"/>
-              <a:t>Windows </a:t>
-            </a:r>
-            <a:r>
-              <a:rPr lang="it-IT" sz="3200" noProof="0" dirty="0" smtClean="0"/>
-              <a:t>Store</a:t>
-            </a:r>
-            <a:endParaRPr lang="it-IT" sz="3200" noProof="0" dirty="0" smtClean="0"/>
+              <a:t>Windows Store</a:t>
+            </a:r>
           </a:p>
           <a:p>
             <a:r>
@@ -14267,7 +16053,6 @@
               <a:rPr lang="it-IT" sz="3200" noProof="0" dirty="0" smtClean="0"/>
               <a:t>Non si basa su magiche astrazioni</a:t>
             </a:r>
-            <a:endParaRPr lang="it-IT" sz="3200" noProof="0" dirty="0" smtClean="0"/>
           </a:p>
           <a:p>
             <a:pPr marL="400050" lvl="1" indent="0">
@@ -14275,19 +16060,7 @@
             </a:pPr>
             <a:r>
               <a:rPr lang="it-IT" sz="2000" noProof="0" dirty="0" smtClean="0"/>
-              <a:t>Interfacce di alto livello </a:t>
-            </a:r>
-            <a:r>
-              <a:rPr lang="it-IT" sz="2000" noProof="0" dirty="0" smtClean="0"/>
-              <a:t>sviluppate </a:t>
-            </a:r>
-            <a:r>
-              <a:rPr lang="it-IT" sz="2000" noProof="0" dirty="0" smtClean="0"/>
-              <a:t>per </a:t>
-            </a:r>
-            <a:r>
-              <a:rPr lang="it-IT" sz="2000" noProof="0" dirty="0" smtClean="0"/>
-              <a:t>tutti gli store</a:t>
+              <a:t>Interfacce di alto livello sviluppate per tutti gli store</a:t>
             </a:r>
             <a:endParaRPr lang="it-IT" sz="3200" noProof="0" dirty="0" smtClean="0"/>
           </a:p>
@@ -14297,15 +16070,7 @@
             </a:pPr>
             <a:r>
               <a:rPr lang="it-IT" sz="2000" noProof="0" dirty="0" smtClean="0"/>
-              <a:t>Specializzazioni per i vari provider </a:t>
-            </a:r>
-            <a:r>
-              <a:rPr lang="it-IT" sz="2000" noProof="0" dirty="0" smtClean="0"/>
-              <a:t>gestite </a:t>
-            </a:r>
-            <a:r>
-              <a:rPr lang="it-IT" sz="2000" noProof="0" dirty="0" smtClean="0"/>
-              <a:t>attraverso estensioni</a:t>
+              <a:t>Specializzazioni per i vari provider gestite attraverso estensioni</a:t>
             </a:r>
           </a:p>
           <a:p>
@@ -14977,15 +16742,7 @@
             </a:pPr>
             <a:r>
               <a:rPr lang="it-IT" sz="2000" noProof="0" dirty="0" smtClean="0"/>
-              <a:t>API non disponibili </a:t>
-            </a:r>
-            <a:r>
-              <a:rPr lang="it-IT" sz="2000" noProof="0" dirty="0" smtClean="0"/>
-              <a:t>per tutte le </a:t>
-            </a:r>
-            <a:r>
-              <a:rPr lang="it-IT" sz="2000" noProof="0" dirty="0" smtClean="0"/>
-              <a:t>piattaforme (</a:t>
+              <a:t>API non disponibili per tutte le piattaforme (</a:t>
             </a:r>
             <a:r>
               <a:rPr lang="it-IT" sz="2000" noProof="0" dirty="0" err="1" smtClean="0"/>
@@ -15003,7 +16760,6 @@
               <a:rPr lang="it-IT" sz="2000" noProof="0" dirty="0" smtClean="0"/>
               <a:t> gen.)</a:t>
             </a:r>
-            <a:endParaRPr lang="it-IT" sz="2000" noProof="0" dirty="0" smtClean="0"/>
           </a:p>
           <a:p>
             <a:pPr marL="400050" lvl="1" indent="0">
@@ -15020,11 +16776,7 @@
             </a:pPr>
             <a:r>
               <a:rPr lang="it-IT" sz="2000" noProof="0" dirty="0" smtClean="0"/>
-              <a:t>Implementazione monolitica (chiuso per estensioni</a:t>
-            </a:r>
-            <a:r>
-              <a:rPr lang="it-IT" sz="2000" noProof="0" dirty="0" smtClean="0"/>
-              <a:t>)</a:t>
+              <a:t>Implementazione monolitica (chiuso per estensioni)</a:t>
             </a:r>
           </a:p>
           <a:p>
@@ -15039,11 +16791,7 @@
             </a:pPr>
             <a:r>
               <a:rPr lang="it-IT" sz="2000" noProof="0" dirty="0" smtClean="0"/>
-              <a:t>Consumo </a:t>
-            </a:r>
-            <a:r>
-              <a:rPr lang="it-IT" sz="2000" noProof="0" dirty="0" smtClean="0"/>
-              <a:t>eccessivo di memoria</a:t>
+              <a:t>Consumo eccessivo di memoria</a:t>
             </a:r>
           </a:p>
           <a:p>

--- a/MDEF02 - Entity Framework 7 Back To The Future.pptx
+++ b/MDEF02 - Entity Framework 7 Back To The Future.pptx
@@ -232,7 +232,7 @@
           <a:p>
             <a:fld id="{F443D67C-DA02-4461-B7C0-508F5ECD6C41}" type="datetimeFigureOut">
               <a:rPr lang="en-US" smtClean="0"/>
-              <a:t>2/26/2015</a:t>
+              <a:t>2/27/2015</a:t>
             </a:fld>
             <a:endParaRPr lang="en-US" dirty="0"/>
           </a:p>
@@ -6723,18 +6723,14 @@
             </a:r>
           </a:p>
           <a:p>
-            <a:pPr marL="400050" lvl="1" indent="0">
-              <a:buNone/>
-            </a:pPr>
+            <a:pPr lvl="1" indent="-342900"/>
             <a:r>
               <a:rPr lang="it-IT" sz="2000" noProof="0" dirty="0" smtClean="0"/>
               <a:t>Continuerà ad esistere DbContext/DbSet ecc.</a:t>
             </a:r>
           </a:p>
           <a:p>
-            <a:pPr marL="400050" lvl="1" indent="0">
-              <a:buNone/>
-            </a:pPr>
+            <a:pPr lvl="1" indent="-342900"/>
             <a:r>
               <a:rPr lang="it-IT" sz="2000" noProof="0" dirty="0" smtClean="0"/>
               <a:t>Costruito su un core più leggero ed estensibile</a:t>
@@ -6747,9 +6743,7 @@
             </a:r>
           </a:p>
           <a:p>
-            <a:pPr marL="400050" lvl="1" indent="0">
-              <a:buNone/>
-            </a:pPr>
+            <a:pPr lvl="1" indent="-342900"/>
             <a:r>
               <a:rPr lang="it-IT" sz="2000" noProof="0" dirty="0" smtClean="0"/>
               <a:t>…e tante altre funzionalità nuove</a:t>
@@ -6762,9 +6756,7 @@
             </a:r>
           </a:p>
           <a:p>
-            <a:pPr marL="400050" lvl="1" indent="0">
-              <a:buNone/>
-            </a:pPr>
+            <a:pPr lvl="1" indent="-342900"/>
             <a:r>
               <a:rPr lang="it-IT" sz="2000" dirty="0" smtClean="0"/>
               <a:t>Non vuol dire che non ci saranno strumenti di designer!</a:t>
@@ -8991,7 +8983,11 @@
             </a:r>
             <a:r>
               <a:rPr lang="it-IT" sz="1800" dirty="0" smtClean="0"/>
-              <a:t>-Migrations è stato rimosso, benvenuto </a:t>
+              <a:t>-Migrations è stato rimosso, </a:t>
+            </a:r>
+            <a:r>
+              <a:rPr lang="it-IT" sz="1800" dirty="0" smtClean="0"/>
+              <a:t>semplicemente </a:t>
             </a:r>
             <a:r>
               <a:rPr lang="it-IT" sz="1800" b="1" dirty="0" err="1" smtClean="0"/>
@@ -9001,6 +8997,7 @@
               <a:rPr lang="it-IT" sz="1800" b="1" dirty="0" smtClean="0"/>
               <a:t>-Migration</a:t>
             </a:r>
+            <a:endParaRPr lang="it-IT" sz="1800" b="1" dirty="0" smtClean="0"/>
           </a:p>
           <a:p>
             <a:pPr lvl="1"/>
@@ -9009,8 +9006,12 @@
               <a:t>Creazione della tabella di migrazione solo su </a:t>
             </a:r>
             <a:r>
-              <a:rPr lang="it-IT" sz="1800" dirty="0" err="1"/>
-              <a:t>Apply-Migratio</a:t>
+              <a:rPr lang="it-IT" sz="1800" dirty="0" err="1" smtClean="0"/>
+              <a:t>Apply</a:t>
+            </a:r>
+            <a:r>
+              <a:rPr lang="it-IT" sz="1800" smtClean="0"/>
+              <a:t>-Migration</a:t>
             </a:r>
             <a:endParaRPr lang="it-IT" sz="1800" dirty="0" smtClean="0"/>
           </a:p>
@@ -9041,11 +9042,7 @@
           <a:p>
             <a:r>
               <a:rPr lang="it-IT" sz="2800" dirty="0" smtClean="0"/>
-              <a:t>Merge </a:t>
-            </a:r>
-            <a:r>
-              <a:rPr lang="it-IT" sz="2800" dirty="0" smtClean="0"/>
-              <a:t>conflitti </a:t>
+              <a:t>Merge conflitti </a:t>
             </a:r>
             <a:r>
               <a:rPr lang="it-IT" sz="2800" dirty="0" err="1" smtClean="0"/>
@@ -9072,11 +9069,7 @@
             <a:pPr lvl="1"/>
             <a:r>
               <a:rPr lang="it-IT" sz="1800" dirty="0" smtClean="0"/>
-              <a:t>Su conflitto è comunque probabile che i file di migrazione debbano essere modificati manualmente</a:t>
-            </a:r>
-            <a:r>
-              <a:rPr lang="it-IT" sz="1800" dirty="0" smtClean="0"/>
-              <a:t>*</a:t>
+              <a:t>Su conflitto è comunque probabile che i file di migrazione debbano essere modificati manualmente*</a:t>
             </a:r>
           </a:p>
           <a:p>
@@ -9109,11 +9102,7 @@
             </a:r>
             <a:r>
               <a:rPr lang="it-IT" sz="1800" dirty="0" smtClean="0"/>
-              <a:t> va aggiornato</a:t>
-            </a:r>
-            <a:r>
-              <a:rPr lang="it-IT" sz="1800" dirty="0" smtClean="0"/>
-              <a:t>!</a:t>
+              <a:t> va aggiornato!</a:t>
             </a:r>
             <a:endParaRPr lang="it-IT" sz="1800" dirty="0"/>
           </a:p>
@@ -9130,7 +9119,6 @@
               <a:rPr lang="it-IT" sz="2800" dirty="0" smtClean="0"/>
               <a:t> Migrations»</a:t>
             </a:r>
-            <a:endParaRPr lang="it-IT" sz="2800" dirty="0" smtClean="0"/>
           </a:p>
         </p:txBody>
       </p:sp>
@@ -15480,13 +15468,33 @@
           <a:p>
             <a:r>
               <a:rPr lang="it-IT" sz="3200" noProof="0" dirty="0" smtClean="0"/>
-              <a:t>Full .NET Framework</a:t>
-            </a:r>
-          </a:p>
-          <a:p>
-            <a:r>
-              <a:rPr lang="it-IT" sz="3200" dirty="0"/>
-              <a:t>ASP.NET 5</a:t>
+              <a:t>Full .NET </a:t>
+            </a:r>
+            <a:r>
+              <a:rPr lang="it-IT" sz="3200" dirty="0" smtClean="0"/>
+              <a:t>Framework</a:t>
+            </a:r>
+          </a:p>
+          <a:p>
+            <a:r>
+              <a:rPr lang="it-IT" sz="3200" dirty="0" smtClean="0"/>
+              <a:t>ASP.NET 5 (</a:t>
+            </a:r>
+            <a:r>
+              <a:rPr lang="it-IT" sz="3200" dirty="0" err="1" smtClean="0"/>
+              <a:t>aka</a:t>
+            </a:r>
+            <a:r>
+              <a:rPr lang="it-IT" sz="3200" dirty="0" smtClean="0"/>
+              <a:t> ASP.NET </a:t>
+            </a:r>
+            <a:r>
+              <a:rPr lang="it-IT" sz="3200" dirty="0" err="1" smtClean="0"/>
+              <a:t>vNext</a:t>
+            </a:r>
+            <a:r>
+              <a:rPr lang="it-IT" sz="3200" dirty="0" smtClean="0"/>
+              <a:t>)</a:t>
             </a:r>
             <a:endParaRPr lang="it-IT" sz="3200" noProof="0" dirty="0" smtClean="0"/>
           </a:p>
@@ -15596,15 +15604,33 @@
                                   </p:childTnLst>
                                 </p:cTn>
                               </p:par>
+                            </p:childTnLst>
+                          </p:cTn>
+                        </p:par>
+                      </p:childTnLst>
+                    </p:cTn>
+                  </p:par>
+                  <p:par>
+                    <p:cTn id="8" fill="hold">
+                      <p:stCondLst>
+                        <p:cond delay="indefinite"/>
+                      </p:stCondLst>
+                      <p:childTnLst>
+                        <p:par>
+                          <p:cTn id="9" fill="hold">
+                            <p:stCondLst>
+                              <p:cond delay="0"/>
+                            </p:stCondLst>
+                            <p:childTnLst>
                               <p:par>
-                                <p:cTn id="8" presetID="10" presetClass="entr" presetSubtype="0" fill="hold" grpId="0" nodeType="withEffect">
+                                <p:cTn id="10" presetID="10" presetClass="entr" presetSubtype="0" fill="hold" grpId="0" nodeType="clickEffect">
                                   <p:stCondLst>
                                     <p:cond delay="0"/>
                                   </p:stCondLst>
                                   <p:childTnLst>
                                     <p:set>
                                       <p:cBhvr>
-                                        <p:cTn id="9" dur="1" fill="hold">
+                                        <p:cTn id="11" dur="1" fill="hold">
                                           <p:stCondLst>
                                             <p:cond delay="0"/>
                                           </p:stCondLst>
@@ -15626,7 +15652,7 @@
                                     </p:set>
                                     <p:animEffect transition="in" filter="fade">
                                       <p:cBhvr>
-                                        <p:cTn id="10" dur="500"/>
+                                        <p:cTn id="12" dur="500"/>
                                         <p:tgtEl>
                                           <p:spTgt spid="3">
                                             <p:txEl>
@@ -15646,26 +15672,26 @@
                     </p:cTn>
                   </p:par>
                   <p:par>
-                    <p:cTn id="11" fill="hold">
+                    <p:cTn id="13" fill="hold">
                       <p:stCondLst>
                         <p:cond delay="indefinite"/>
                       </p:stCondLst>
                       <p:childTnLst>
                         <p:par>
-                          <p:cTn id="12" fill="hold">
+                          <p:cTn id="14" fill="hold">
                             <p:stCondLst>
                               <p:cond delay="0"/>
                             </p:stCondLst>
                             <p:childTnLst>
                               <p:par>
-                                <p:cTn id="13" presetID="10" presetClass="entr" presetSubtype="0" fill="hold" grpId="0" nodeType="clickEffect">
+                                <p:cTn id="15" presetID="10" presetClass="entr" presetSubtype="0" fill="hold" grpId="0" nodeType="clickEffect">
                                   <p:stCondLst>
                                     <p:cond delay="0"/>
                                   </p:stCondLst>
                                   <p:childTnLst>
                                     <p:set>
                                       <p:cBhvr>
-                                        <p:cTn id="14" dur="1" fill="hold">
+                                        <p:cTn id="16" dur="1" fill="hold">
                                           <p:stCondLst>
                                             <p:cond delay="0"/>
                                           </p:stCondLst>
@@ -15687,7 +15713,7 @@
                                     </p:set>
                                     <p:animEffect transition="in" filter="fade">
                                       <p:cBhvr>
-                                        <p:cTn id="15" dur="500"/>
+                                        <p:cTn id="17" dur="500"/>
                                         <p:tgtEl>
                                           <p:spTgt spid="3">
                                             <p:txEl>
@@ -15707,26 +15733,26 @@
                     </p:cTn>
                   </p:par>
                   <p:par>
-                    <p:cTn id="16" fill="hold">
+                    <p:cTn id="18" fill="hold">
                       <p:stCondLst>
                         <p:cond delay="indefinite"/>
                       </p:stCondLst>
                       <p:childTnLst>
                         <p:par>
-                          <p:cTn id="17" fill="hold">
+                          <p:cTn id="19" fill="hold">
                             <p:stCondLst>
                               <p:cond delay="0"/>
                             </p:stCondLst>
                             <p:childTnLst>
                               <p:par>
-                                <p:cTn id="18" presetID="10" presetClass="entr" presetSubtype="0" fill="hold" grpId="0" nodeType="clickEffect">
+                                <p:cTn id="20" presetID="10" presetClass="entr" presetSubtype="0" fill="hold" grpId="0" nodeType="clickEffect">
                                   <p:stCondLst>
                                     <p:cond delay="0"/>
                                   </p:stCondLst>
                                   <p:childTnLst>
                                     <p:set>
                                       <p:cBhvr>
-                                        <p:cTn id="19" dur="1" fill="hold">
+                                        <p:cTn id="21" dur="1" fill="hold">
                                           <p:stCondLst>
                                             <p:cond delay="0"/>
                                           </p:stCondLst>
@@ -15748,7 +15774,7 @@
                                     </p:set>
                                     <p:animEffect transition="in" filter="fade">
                                       <p:cBhvr>
-                                        <p:cTn id="20" dur="500"/>
+                                        <p:cTn id="22" dur="500"/>
                                         <p:tgtEl>
                                           <p:spTgt spid="3">
                                             <p:txEl>
@@ -15768,26 +15794,26 @@
                     </p:cTn>
                   </p:par>
                   <p:par>
-                    <p:cTn id="21" fill="hold">
+                    <p:cTn id="23" fill="hold">
                       <p:stCondLst>
                         <p:cond delay="indefinite"/>
                       </p:stCondLst>
                       <p:childTnLst>
                         <p:par>
-                          <p:cTn id="22" fill="hold">
+                          <p:cTn id="24" fill="hold">
                             <p:stCondLst>
                               <p:cond delay="0"/>
                             </p:stCondLst>
                             <p:childTnLst>
                               <p:par>
-                                <p:cTn id="23" presetID="10" presetClass="entr" presetSubtype="0" fill="hold" grpId="0" nodeType="clickEffect">
+                                <p:cTn id="25" presetID="10" presetClass="entr" presetSubtype="0" fill="hold" grpId="0" nodeType="clickEffect">
                                   <p:stCondLst>
                                     <p:cond delay="0"/>
                                   </p:stCondLst>
                                   <p:childTnLst>
                                     <p:set>
                                       <p:cBhvr>
-                                        <p:cTn id="24" dur="1" fill="hold">
+                                        <p:cTn id="26" dur="1" fill="hold">
                                           <p:stCondLst>
                                             <p:cond delay="0"/>
                                           </p:stCondLst>
@@ -15809,7 +15835,7 @@
                                     </p:set>
                                     <p:animEffect transition="in" filter="fade">
                                       <p:cBhvr>
-                                        <p:cTn id="25" dur="500"/>
+                                        <p:cTn id="27" dur="500"/>
                                         <p:tgtEl>
                                           <p:spTgt spid="3">
                                             <p:txEl>
@@ -15829,26 +15855,26 @@
                     </p:cTn>
                   </p:par>
                   <p:par>
-                    <p:cTn id="26" fill="hold">
+                    <p:cTn id="28" fill="hold">
                       <p:stCondLst>
                         <p:cond delay="indefinite"/>
                       </p:stCondLst>
                       <p:childTnLst>
                         <p:par>
-                          <p:cTn id="27" fill="hold">
+                          <p:cTn id="29" fill="hold">
                             <p:stCondLst>
                               <p:cond delay="0"/>
                             </p:stCondLst>
                             <p:childTnLst>
                               <p:par>
-                                <p:cTn id="28" presetID="10" presetClass="entr" presetSubtype="0" fill="hold" grpId="0" nodeType="clickEffect">
+                                <p:cTn id="30" presetID="10" presetClass="entr" presetSubtype="0" fill="hold" grpId="0" nodeType="clickEffect">
                                   <p:stCondLst>
                                     <p:cond delay="0"/>
                                   </p:stCondLst>
                                   <p:childTnLst>
                                     <p:set>
                                       <p:cBhvr>
-                                        <p:cTn id="29" dur="1" fill="hold">
+                                        <p:cTn id="31" dur="1" fill="hold">
                                           <p:stCondLst>
                                             <p:cond delay="0"/>
                                           </p:stCondLst>
@@ -15870,7 +15896,7 @@
                                     </p:set>
                                     <p:animEffect transition="in" filter="fade">
                                       <p:cBhvr>
-                                        <p:cTn id="30" dur="500"/>
+                                        <p:cTn id="32" dur="500"/>
                                         <p:tgtEl>
                                           <p:spTgt spid="3">
                                             <p:txEl>
@@ -15890,26 +15916,26 @@
                     </p:cTn>
                   </p:par>
                   <p:par>
-                    <p:cTn id="31" fill="hold">
+                    <p:cTn id="33" fill="hold">
                       <p:stCondLst>
                         <p:cond delay="indefinite"/>
                       </p:stCondLst>
                       <p:childTnLst>
                         <p:par>
-                          <p:cTn id="32" fill="hold">
+                          <p:cTn id="34" fill="hold">
                             <p:stCondLst>
                               <p:cond delay="0"/>
                             </p:stCondLst>
                             <p:childTnLst>
                               <p:par>
-                                <p:cTn id="33" presetID="10" presetClass="entr" presetSubtype="0" fill="hold" grpId="0" nodeType="clickEffect">
+                                <p:cTn id="35" presetID="10" presetClass="entr" presetSubtype="0" fill="hold" grpId="0" nodeType="clickEffect">
                                   <p:stCondLst>
                                     <p:cond delay="0"/>
                                   </p:stCondLst>
                                   <p:childTnLst>
                                     <p:set>
                                       <p:cBhvr>
-                                        <p:cTn id="34" dur="1" fill="hold">
+                                        <p:cTn id="36" dur="1" fill="hold">
                                           <p:stCondLst>
                                             <p:cond delay="0"/>
                                           </p:stCondLst>
@@ -15931,7 +15957,7 @@
                                     </p:set>
                                     <p:animEffect transition="in" filter="fade">
                                       <p:cBhvr>
-                                        <p:cTn id="35" dur="500"/>
+                                        <p:cTn id="37" dur="500"/>
                                         <p:tgtEl>
                                           <p:spTgt spid="3">
                                             <p:txEl>
@@ -16045,8 +16071,13 @@
           <a:p>
             <a:r>
               <a:rPr lang="it-IT" sz="3200" noProof="0" dirty="0" smtClean="0"/>
-              <a:t>Relazionali &amp; non-relazionali</a:t>
-            </a:r>
+              <a:t>Relazionali &amp; </a:t>
+            </a:r>
+            <a:r>
+              <a:rPr lang="it-IT" sz="3200" noProof="0" dirty="0" smtClean="0"/>
+              <a:t>Non-Relazionali</a:t>
+            </a:r>
+            <a:endParaRPr lang="it-IT" sz="3200" noProof="0" dirty="0" smtClean="0"/>
           </a:p>
           <a:p>
             <a:r>
@@ -16055,9 +16086,7 @@
             </a:r>
           </a:p>
           <a:p>
-            <a:pPr marL="400050" lvl="1" indent="0">
-              <a:buNone/>
-            </a:pPr>
+            <a:pPr lvl="1" indent="-342900"/>
             <a:r>
               <a:rPr lang="it-IT" sz="2000" noProof="0" dirty="0" smtClean="0"/>
               <a:t>Interfacce di alto livello sviluppate per tutti gli store</a:t>
@@ -16065,9 +16094,7 @@
             <a:endParaRPr lang="it-IT" sz="3200" noProof="0" dirty="0" smtClean="0"/>
           </a:p>
           <a:p>
-            <a:pPr marL="400050" lvl="1" indent="0">
-              <a:buNone/>
-            </a:pPr>
+            <a:pPr lvl="1" indent="-342900"/>
             <a:r>
               <a:rPr lang="it-IT" sz="2000" noProof="0" dirty="0" smtClean="0"/>
               <a:t>Specializzazioni per i vari provider gestite attraverso estensioni</a:t>
@@ -16080,45 +16107,35 @@
             </a:r>
           </a:p>
           <a:p>
-            <a:pPr marL="400050" lvl="1" indent="0">
-              <a:buNone/>
-            </a:pPr>
+            <a:pPr lvl="1" indent="-342900"/>
             <a:r>
               <a:rPr lang="it-IT" sz="2000" noProof="0" dirty="0" smtClean="0"/>
               <a:t>SQL Server (in beta4 per ASP.NET 5 e full .NET Framework)</a:t>
             </a:r>
           </a:p>
           <a:p>
-            <a:pPr marL="400050" lvl="1" indent="0">
-              <a:buNone/>
-            </a:pPr>
+            <a:pPr lvl="1" indent="-342900"/>
             <a:r>
               <a:rPr lang="it-IT" sz="2000" noProof="0" dirty="0" smtClean="0"/>
               <a:t>SQLite</a:t>
             </a:r>
           </a:p>
           <a:p>
-            <a:pPr marL="400050" lvl="1" indent="0">
-              <a:buNone/>
-            </a:pPr>
+            <a:pPr lvl="1" indent="-342900"/>
             <a:r>
               <a:rPr lang="it-IT" sz="2000" noProof="0" dirty="0" smtClean="0"/>
               <a:t>Azure Table Storage</a:t>
             </a:r>
           </a:p>
           <a:p>
-            <a:pPr marL="400050" lvl="1" indent="0">
-              <a:buNone/>
-            </a:pPr>
+            <a:pPr lvl="1" indent="-342900"/>
             <a:r>
               <a:rPr lang="it-IT" sz="2000" noProof="0" dirty="0" smtClean="0"/>
               <a:t>Redis</a:t>
             </a:r>
           </a:p>
           <a:p>
-            <a:pPr marL="400050" lvl="1" indent="0">
-              <a:buNone/>
-            </a:pPr>
+            <a:pPr lvl="1" indent="-342900"/>
             <a:r>
               <a:rPr lang="it-IT" sz="2000" noProof="0" dirty="0" smtClean="0"/>
               <a:t>In Memory (per testare)</a:t>
@@ -16728,18 +16745,14 @@
             </a:r>
           </a:p>
           <a:p>
-            <a:pPr marL="400050" lvl="1" indent="0">
-              <a:buNone/>
-            </a:pPr>
+            <a:pPr lvl="1" indent="-342900"/>
             <a:r>
               <a:rPr lang="it-IT" sz="2000" noProof="0" dirty="0" smtClean="0"/>
               <a:t>Vecchi design pattern</a:t>
             </a:r>
           </a:p>
           <a:p>
-            <a:pPr marL="400050" lvl="1" indent="0">
-              <a:buNone/>
-            </a:pPr>
+            <a:pPr lvl="1" indent="-342900"/>
             <a:r>
               <a:rPr lang="it-IT" sz="2000" noProof="0" dirty="0" smtClean="0"/>
               <a:t>API non disponibili per tutte le piattaforme (</a:t>
@@ -16758,22 +16771,23 @@
             </a:r>
             <a:r>
               <a:rPr lang="it-IT" sz="2000" noProof="0" dirty="0" smtClean="0"/>
-              <a:t> gen.)</a:t>
-            </a:r>
-          </a:p>
-          <a:p>
-            <a:pPr marL="400050" lvl="1" indent="0">
-              <a:buNone/>
-            </a:pPr>
+              <a:t> </a:t>
+            </a:r>
+            <a:r>
+              <a:rPr lang="it-IT" sz="2000" noProof="0" dirty="0" smtClean="0"/>
+              <a:t>generation)</a:t>
+            </a:r>
+            <a:endParaRPr lang="it-IT" sz="2000" noProof="0" dirty="0" smtClean="0"/>
+          </a:p>
+          <a:p>
+            <a:pPr lvl="1" indent="-342900"/>
             <a:r>
               <a:rPr lang="it-IT" sz="2000" noProof="0" dirty="0" smtClean="0"/>
               <a:t>Codici e funzionalità raramente utilizzate</a:t>
             </a:r>
           </a:p>
           <a:p>
-            <a:pPr marL="400050" lvl="1" indent="0">
-              <a:buNone/>
-            </a:pPr>
+            <a:pPr lvl="1" indent="-342900"/>
             <a:r>
               <a:rPr lang="it-IT" sz="2000" noProof="0" dirty="0" smtClean="0"/>
               <a:t>Implementazione monolitica (chiuso per estensioni)</a:t>
@@ -16786,9 +16800,7 @@
             </a:r>
           </a:p>
           <a:p>
-            <a:pPr marL="400050" lvl="1" indent="0">
-              <a:buNone/>
-            </a:pPr>
+            <a:pPr lvl="1" indent="-342900"/>
             <a:r>
               <a:rPr lang="it-IT" sz="2000" noProof="0" dirty="0" smtClean="0"/>
               <a:t>Consumo eccessivo di memoria</a:t>
